--- a/linsley_postdoc/presentations/weekly_meetings/11_9_23.pptx
+++ b/linsley_postdoc/presentations/weekly_meetings/11_9_23.pptx
@@ -604,81 +604,6 @@
         <p:txBody>
           <a:bodyPr/>
           <a:lstStyle/>
-          <a:p>
-            <a:pPr marL="0" marR="0">
-              <a:spcBef>
-                <a:spcPts val="0"/>
-              </a:spcBef>
-              <a:spcAft>
-                <a:spcPts val="0"/>
-              </a:spcAft>
-            </a:pPr>
-            <a:r>
-              <a:rPr lang="en-US" sz="1800" kern="100" dirty="0">
-                <a:effectLst/>
-                <a:latin typeface="Calibri" panose="020F0502020204030204" pitchFamily="34" charset="0"/>
-                <a:ea typeface="Calibri" panose="020F0502020204030204" pitchFamily="34" charset="0"/>
-                <a:cs typeface="Times New Roman" panose="02020603050405020304" pitchFamily="18" charset="0"/>
-              </a:rPr>
-              <a:t>List things I tried to fix </a:t>
-            </a:r>
-            <a:r>
-              <a:rPr lang="en-US" sz="1800" kern="100" dirty="0" err="1">
-                <a:effectLst/>
-                <a:latin typeface="Calibri" panose="020F0502020204030204" pitchFamily="34" charset="0"/>
-                <a:ea typeface="Calibri" panose="020F0502020204030204" pitchFamily="34" charset="0"/>
-                <a:cs typeface="Times New Roman" panose="02020603050405020304" pitchFamily="18" charset="0"/>
-              </a:rPr>
-              <a:t>stitchr</a:t>
-            </a:r>
-            <a:r>
-              <a:rPr lang="en-US" sz="1800" kern="100" dirty="0">
-                <a:effectLst/>
-                <a:latin typeface="Calibri" panose="020F0502020204030204" pitchFamily="34" charset="0"/>
-                <a:ea typeface="Calibri" panose="020F0502020204030204" pitchFamily="34" charset="0"/>
-                <a:cs typeface="Times New Roman" panose="02020603050405020304" pitchFamily="18" charset="0"/>
-              </a:rPr>
-              <a:t>: CDR3_nt instead of CDR3_aa as input (no change), stripping C &amp; F (made it worse), adding *01 to all genes/alleles not already having (no change)</a:t>
-            </a:r>
-          </a:p>
-          <a:p>
-            <a:pPr marL="0" marR="0">
-              <a:spcBef>
-                <a:spcPts val="0"/>
-              </a:spcBef>
-              <a:spcAft>
-                <a:spcPts val="0"/>
-              </a:spcAft>
-            </a:pPr>
-            <a:r>
-              <a:rPr lang="en-US" sz="1800" kern="100" dirty="0">
-                <a:effectLst/>
-                <a:latin typeface="Calibri" panose="020F0502020204030204" pitchFamily="34" charset="0"/>
-                <a:ea typeface="Calibri" panose="020F0502020204030204" pitchFamily="34" charset="0"/>
-                <a:cs typeface="Times New Roman" panose="02020603050405020304" pitchFamily="18" charset="0"/>
-              </a:rPr>
-              <a:t>problematic V genes (most common issue is unable to find N terminus of CDR3 in V gene) more often don't have *01 but adding doesn't help</a:t>
-            </a:r>
-          </a:p>
-          <a:p>
-            <a:pPr marL="0" marR="0">
-              <a:spcBef>
-                <a:spcPts val="0"/>
-              </a:spcBef>
-              <a:spcAft>
-                <a:spcPts val="0"/>
-              </a:spcAft>
-            </a:pPr>
-            <a:r>
-              <a:rPr lang="en-US" sz="1800" kern="100" dirty="0">
-                <a:effectLst/>
-                <a:latin typeface="Calibri" panose="020F0502020204030204" pitchFamily="34" charset="0"/>
-                <a:ea typeface="Calibri" panose="020F0502020204030204" pitchFamily="34" charset="0"/>
-                <a:cs typeface="Times New Roman" panose="02020603050405020304" pitchFamily="18" charset="0"/>
-              </a:rPr>
-              <a:t> </a:t>
-            </a:r>
-          </a:p>
           <a:p>
             <a:endParaRPr lang="en-US" dirty="0"/>
           </a:p>

--- a/linsley_postdoc/presentations/weekly_meetings/11_9_23.pptx
+++ b/linsley_postdoc/presentations/weekly_meetings/11_9_23.pptx
@@ -5,12 +5,13 @@
     <p:sldMasterId id="2147483648" r:id="rId1"/>
   </p:sldMasterIdLst>
   <p:notesMasterIdLst>
-    <p:notesMasterId r:id="rId5"/>
+    <p:notesMasterId r:id="rId6"/>
   </p:notesMasterIdLst>
   <p:sldIdLst>
     <p:sldId id="256" r:id="rId2"/>
     <p:sldId id="406" r:id="rId3"/>
     <p:sldId id="407" r:id="rId4"/>
+    <p:sldId id="408" r:id="rId5"/>
   </p:sldIdLst>
   <p:sldSz cx="12192000" cy="6858000"/>
   <p:notesSz cx="6858000" cy="9144000"/>
@@ -210,7 +211,7 @@
           <a:p>
             <a:fld id="{E933A773-0DCE-3544-BB67-D5FA58DF903C}" type="datetimeFigureOut">
               <a:rPr lang="en-US" smtClean="0"/>
-              <a:t>11/3/23</a:t>
+              <a:t>11/6/23</a:t>
             </a:fld>
             <a:endParaRPr lang="en-US"/>
           </a:p>
@@ -729,6 +730,114 @@
 </p:notes>
 </file>
 
+<file path=ppt/notesSlides/notesSlide4.xml><?xml version="1.0" encoding="utf-8"?>
+<p:notes xmlns:a="http://schemas.openxmlformats.org/drawingml/2006/main" xmlns:r="http://schemas.openxmlformats.org/officeDocument/2006/relationships" xmlns:p="http://schemas.openxmlformats.org/presentationml/2006/main">
+  <p:cSld>
+    <p:spTree>
+      <p:nvGrpSpPr>
+        <p:cNvPr id="1" name=""/>
+        <p:cNvGrpSpPr/>
+        <p:nvPr/>
+      </p:nvGrpSpPr>
+      <p:grpSpPr>
+        <a:xfrm>
+          <a:off x="0" y="0"/>
+          <a:ext cx="0" cy="0"/>
+          <a:chOff x="0" y="0"/>
+          <a:chExt cx="0" cy="0"/>
+        </a:xfrm>
+      </p:grpSpPr>
+      <p:sp>
+        <p:nvSpPr>
+          <p:cNvPr id="2" name="Slide Image Placeholder 1"/>
+          <p:cNvSpPr>
+            <a:spLocks noGrp="1" noRot="1" noChangeAspect="1"/>
+          </p:cNvSpPr>
+          <p:nvPr>
+            <p:ph type="sldImg"/>
+          </p:nvPr>
+        </p:nvSpPr>
+        <p:spPr/>
+      </p:sp>
+      <p:sp>
+        <p:nvSpPr>
+          <p:cNvPr id="3" name="Notes Placeholder 2"/>
+          <p:cNvSpPr>
+            <a:spLocks noGrp="1"/>
+          </p:cNvSpPr>
+          <p:nvPr>
+            <p:ph type="body" idx="1"/>
+          </p:nvPr>
+        </p:nvSpPr>
+        <p:spPr/>
+        <p:txBody>
+          <a:bodyPr/>
+          <a:lstStyle/>
+          <a:p>
+            <a:r>
+              <a:rPr lang="en-US" dirty="0"/>
+              <a:t>TRA</a:t>
+            </a:r>
+          </a:p>
+          <a:p>
+            <a:r>
+              <a:rPr lang="en-US" dirty="0"/>
+              <a:t># 4104 + 3602 (stop codons) unproductive</a:t>
+            </a:r>
+          </a:p>
+          <a:p>
+            <a:endParaRPr lang="en-US" dirty="0"/>
+          </a:p>
+          <a:p>
+            <a:r>
+              <a:rPr lang="en-US" dirty="0"/>
+              <a:t>TRB</a:t>
+            </a:r>
+          </a:p>
+          <a:p>
+            <a:r>
+              <a:rPr lang="en-US" dirty="0"/>
+              <a:t># 2621 + 1338 (stop codons) unproductive</a:t>
+            </a:r>
+          </a:p>
+        </p:txBody>
+      </p:sp>
+      <p:sp>
+        <p:nvSpPr>
+          <p:cNvPr id="4" name="Slide Number Placeholder 3"/>
+          <p:cNvSpPr>
+            <a:spLocks noGrp="1"/>
+          </p:cNvSpPr>
+          <p:nvPr>
+            <p:ph type="sldNum" sz="quarter" idx="5"/>
+          </p:nvPr>
+        </p:nvSpPr>
+        <p:spPr/>
+        <p:txBody>
+          <a:bodyPr/>
+          <a:lstStyle/>
+          <a:p>
+            <a:fld id="{061BAA8C-FDC6-D345-B4E0-3B02449209FB}" type="slidenum">
+              <a:rPr lang="en-US" smtClean="0"/>
+              <a:t>4</a:t>
+            </a:fld>
+            <a:endParaRPr lang="en-US"/>
+          </a:p>
+        </p:txBody>
+      </p:sp>
+    </p:spTree>
+    <p:extLst>
+      <p:ext uri="{BB962C8B-B14F-4D97-AF65-F5344CB8AC3E}">
+        <p14:creationId xmlns:p14="http://schemas.microsoft.com/office/powerpoint/2010/main" val="3188188146"/>
+      </p:ext>
+    </p:extLst>
+  </p:cSld>
+  <p:clrMapOvr>
+    <a:masterClrMapping/>
+  </p:clrMapOvr>
+</p:notes>
+</file>
+
 <file path=ppt/slideLayouts/slideLayout1.xml><?xml version="1.0" encoding="utf-8"?>
 <p:sldLayout xmlns:a="http://schemas.openxmlformats.org/drawingml/2006/main" xmlns:r="http://schemas.openxmlformats.org/officeDocument/2006/relationships" xmlns:p="http://schemas.openxmlformats.org/presentationml/2006/main" type="title" preserve="1">
   <p:cSld name="Title Slide">
@@ -876,7 +985,7 @@
           <a:p>
             <a:fld id="{80FC6068-BAFB-FC44-B9D8-F4B3BB105DE6}" type="datetimeFigureOut">
               <a:rPr lang="en-US" smtClean="0"/>
-              <a:t>11/3/23</a:t>
+              <a:t>11/6/23</a:t>
             </a:fld>
             <a:endParaRPr lang="en-US"/>
           </a:p>
@@ -1074,7 +1183,7 @@
           <a:p>
             <a:fld id="{80FC6068-BAFB-FC44-B9D8-F4B3BB105DE6}" type="datetimeFigureOut">
               <a:rPr lang="en-US" smtClean="0"/>
-              <a:t>11/3/23</a:t>
+              <a:t>11/6/23</a:t>
             </a:fld>
             <a:endParaRPr lang="en-US"/>
           </a:p>
@@ -1282,7 +1391,7 @@
           <a:p>
             <a:fld id="{80FC6068-BAFB-FC44-B9D8-F4B3BB105DE6}" type="datetimeFigureOut">
               <a:rPr lang="en-US" smtClean="0"/>
-              <a:t>11/3/23</a:t>
+              <a:t>11/6/23</a:t>
             </a:fld>
             <a:endParaRPr lang="en-US"/>
           </a:p>
@@ -1486,7 +1595,7 @@
           <a:p>
             <a:fld id="{80FC6068-BAFB-FC44-B9D8-F4B3BB105DE6}" type="datetimeFigureOut">
               <a:rPr lang="en-US" smtClean="0"/>
-              <a:t>11/3/23</a:t>
+              <a:t>11/6/23</a:t>
             </a:fld>
             <a:endParaRPr lang="en-US"/>
           </a:p>
@@ -1777,7 +1886,7 @@
           <a:p>
             <a:fld id="{80FC6068-BAFB-FC44-B9D8-F4B3BB105DE6}" type="datetimeFigureOut">
               <a:rPr lang="en-US" smtClean="0"/>
-              <a:t>11/3/23</a:t>
+              <a:t>11/6/23</a:t>
             </a:fld>
             <a:endParaRPr lang="en-US"/>
           </a:p>
@@ -2042,7 +2151,7 @@
           <a:p>
             <a:fld id="{80FC6068-BAFB-FC44-B9D8-F4B3BB105DE6}" type="datetimeFigureOut">
               <a:rPr lang="en-US" smtClean="0"/>
-              <a:t>11/3/23</a:t>
+              <a:t>11/6/23</a:t>
             </a:fld>
             <a:endParaRPr lang="en-US"/>
           </a:p>
@@ -2454,7 +2563,7 @@
           <a:p>
             <a:fld id="{80FC6068-BAFB-FC44-B9D8-F4B3BB105DE6}" type="datetimeFigureOut">
               <a:rPr lang="en-US" smtClean="0"/>
-              <a:t>11/3/23</a:t>
+              <a:t>11/6/23</a:t>
             </a:fld>
             <a:endParaRPr lang="en-US"/>
           </a:p>
@@ -2595,7 +2704,7 @@
           <a:p>
             <a:fld id="{80FC6068-BAFB-FC44-B9D8-F4B3BB105DE6}" type="datetimeFigureOut">
               <a:rPr lang="en-US" smtClean="0"/>
-              <a:t>11/3/23</a:t>
+              <a:t>11/6/23</a:t>
             </a:fld>
             <a:endParaRPr lang="en-US"/>
           </a:p>
@@ -2708,7 +2817,7 @@
           <a:p>
             <a:fld id="{80FC6068-BAFB-FC44-B9D8-F4B3BB105DE6}" type="datetimeFigureOut">
               <a:rPr lang="en-US" smtClean="0"/>
-              <a:t>11/3/23</a:t>
+              <a:t>11/6/23</a:t>
             </a:fld>
             <a:endParaRPr lang="en-US"/>
           </a:p>
@@ -3019,7 +3128,7 @@
           <a:p>
             <a:fld id="{80FC6068-BAFB-FC44-B9D8-F4B3BB105DE6}" type="datetimeFigureOut">
               <a:rPr lang="en-US" smtClean="0"/>
-              <a:t>11/3/23</a:t>
+              <a:t>11/6/23</a:t>
             </a:fld>
             <a:endParaRPr lang="en-US"/>
           </a:p>
@@ -3307,7 +3416,7 @@
           <a:p>
             <a:fld id="{80FC6068-BAFB-FC44-B9D8-F4B3BB105DE6}" type="datetimeFigureOut">
               <a:rPr lang="en-US" smtClean="0"/>
-              <a:t>11/3/23</a:t>
+              <a:t>11/6/23</a:t>
             </a:fld>
             <a:endParaRPr lang="en-US"/>
           </a:p>
@@ -3548,7 +3657,7 @@
           <a:p>
             <a:fld id="{80FC6068-BAFB-FC44-B9D8-F4B3BB105DE6}" type="datetimeFigureOut">
               <a:rPr lang="en-US" smtClean="0"/>
-              <a:t>11/3/23</a:t>
+              <a:t>11/6/23</a:t>
             </a:fld>
             <a:endParaRPr lang="en-US"/>
           </a:p>
@@ -4143,6 +4252,28 @@
             </a:r>
           </a:p>
           <a:p>
+            <a:pPr lvl="1"/>
+            <a:r>
+              <a:rPr lang="en-US" dirty="0"/>
+              <a:t>IMGT/</a:t>
+            </a:r>
+            <a:r>
+              <a:rPr lang="en-US" dirty="0" err="1"/>
+              <a:t>HighV</a:t>
+            </a:r>
+            <a:r>
+              <a:rPr lang="en-US" dirty="0"/>
+              <a:t>-Quest data </a:t>
+            </a:r>
+            <a:r>
+              <a:rPr lang="en-US" dirty="0">
+                <a:sym typeface="Wingdings" pitchFamily="2" charset="2"/>
+              </a:rPr>
+              <a:t> issues with stitching even with stitched TCR sequences</a:t>
+            </a:r>
+            <a:endParaRPr lang="en-US" dirty="0"/>
+          </a:p>
+          <a:p>
             <a:pPr marL="0" indent="0">
               <a:buNone/>
             </a:pPr>
@@ -4216,7 +4347,7 @@
           <a:p>
             <a:r>
               <a:rPr lang="en-US" dirty="0"/>
-              <a:t>Attempts to improve stitching</a:t>
+              <a:t>Attempts to improve stitching and lose fewer TCRs</a:t>
             </a:r>
           </a:p>
         </p:txBody>
@@ -4307,6 +4438,431 @@
     <p:extLst>
       <p:ext uri="{BB962C8B-B14F-4D97-AF65-F5344CB8AC3E}">
         <p14:creationId xmlns:p14="http://schemas.microsoft.com/office/powerpoint/2010/main" val="2708215068"/>
+      </p:ext>
+    </p:extLst>
+  </p:cSld>
+  <p:clrMapOvr>
+    <a:masterClrMapping/>
+  </p:clrMapOvr>
+</p:sld>
+</file>
+
+<file path=ppt/slides/slide4.xml><?xml version="1.0" encoding="utf-8"?>
+<p:sld xmlns:a="http://schemas.openxmlformats.org/drawingml/2006/main" xmlns:r="http://schemas.openxmlformats.org/officeDocument/2006/relationships" xmlns:p="http://schemas.openxmlformats.org/presentationml/2006/main">
+  <p:cSld>
+    <p:spTree>
+      <p:nvGrpSpPr>
+        <p:cNvPr id="1" name=""/>
+        <p:cNvGrpSpPr/>
+        <p:nvPr/>
+      </p:nvGrpSpPr>
+      <p:grpSpPr>
+        <a:xfrm>
+          <a:off x="0" y="0"/>
+          <a:ext cx="0" cy="0"/>
+          <a:chOff x="0" y="0"/>
+          <a:chExt cx="0" cy="0"/>
+        </a:xfrm>
+      </p:grpSpPr>
+      <p:sp>
+        <p:nvSpPr>
+          <p:cNvPr id="2" name="Title 1">
+            <a:extLst>
+              <a:ext uri="{FF2B5EF4-FFF2-40B4-BE49-F238E27FC236}">
+                <a16:creationId xmlns:a16="http://schemas.microsoft.com/office/drawing/2014/main" id="{70A4C97D-8F21-3D3B-6A90-EA7145324964}"/>
+              </a:ext>
+            </a:extLst>
+          </p:cNvPr>
+          <p:cNvSpPr>
+            <a:spLocks noGrp="1"/>
+          </p:cNvSpPr>
+          <p:nvPr>
+            <p:ph type="title"/>
+          </p:nvPr>
+        </p:nvSpPr>
+        <p:spPr>
+          <a:xfrm>
+            <a:off x="838200" y="593725"/>
+            <a:ext cx="10515600" cy="1325563"/>
+          </a:xfrm>
+        </p:spPr>
+        <p:txBody>
+          <a:bodyPr>
+            <a:normAutofit/>
+          </a:bodyPr>
+          <a:lstStyle/>
+          <a:p>
+            <a:r>
+              <a:rPr lang="en-US" dirty="0"/>
+              <a:t>Stitching likely dysfunctional despite producing TCR sequences</a:t>
+            </a:r>
+          </a:p>
+        </p:txBody>
+      </p:sp>
+      <p:sp>
+        <p:nvSpPr>
+          <p:cNvPr id="3" name="Content Placeholder 2">
+            <a:extLst>
+              <a:ext uri="{FF2B5EF4-FFF2-40B4-BE49-F238E27FC236}">
+                <a16:creationId xmlns:a16="http://schemas.microsoft.com/office/drawing/2014/main" id="{B9501834-7B32-1ACA-4358-B630FB8EEC36}"/>
+              </a:ext>
+            </a:extLst>
+          </p:cNvPr>
+          <p:cNvSpPr>
+            <a:spLocks noGrp="1"/>
+          </p:cNvSpPr>
+          <p:nvPr>
+            <p:ph idx="1"/>
+          </p:nvPr>
+        </p:nvSpPr>
+        <p:spPr>
+          <a:xfrm>
+            <a:off x="838200" y="1919290"/>
+            <a:ext cx="10668990" cy="3234602"/>
+          </a:xfrm>
+        </p:spPr>
+        <p:txBody>
+          <a:bodyPr>
+            <a:normAutofit fontScale="92500" lnSpcReduction="20000"/>
+          </a:bodyPr>
+          <a:lstStyle/>
+          <a:p>
+            <a:r>
+              <a:rPr lang="en-US" dirty="0"/>
+              <a:t>Filtered input data for productive TCRs</a:t>
+            </a:r>
+          </a:p>
+          <a:p>
+            <a:pPr lvl="1"/>
+            <a:r>
+              <a:rPr lang="en-US" dirty="0"/>
+              <a:t>Removes 16,713 unproductive TCRs, leaves 112,549 productive ones</a:t>
+            </a:r>
+          </a:p>
+          <a:p>
+            <a:r>
+              <a:rPr lang="en-US" dirty="0"/>
+              <a:t>Stitch</a:t>
+            </a:r>
+          </a:p>
+          <a:p>
+            <a:pPr lvl="1"/>
+            <a:r>
+              <a:rPr lang="en-US" dirty="0"/>
+              <a:t>All </a:t>
+            </a:r>
+            <a:r>
+              <a:rPr lang="en-US" dirty="0" err="1"/>
+              <a:t>TRA_aa</a:t>
+            </a:r>
+            <a:r>
+              <a:rPr lang="en-US" dirty="0"/>
+              <a:t> and </a:t>
+            </a:r>
+            <a:r>
+              <a:rPr lang="en-US" dirty="0" err="1"/>
+              <a:t>TRB_aa</a:t>
+            </a:r>
+            <a:r>
+              <a:rPr lang="en-US" dirty="0"/>
+              <a:t> from </a:t>
+            </a:r>
+            <a:r>
+              <a:rPr lang="en-US" dirty="0" err="1"/>
+              <a:t>stitchr</a:t>
+            </a:r>
+            <a:r>
+              <a:rPr lang="en-US" dirty="0"/>
+              <a:t> have stop codons… at least in frame it’s displayed in</a:t>
+            </a:r>
+          </a:p>
+          <a:p>
+            <a:pPr lvl="1"/>
+            <a:r>
+              <a:rPr lang="en-US" dirty="0"/>
+              <a:t>”User specified leader sequence is not evenly divisible by 3 – stitched TCR frame will likely be wrong” error present for all stitched TCRs</a:t>
+            </a:r>
+          </a:p>
+          <a:p>
+            <a:r>
+              <a:rPr lang="en-US" dirty="0"/>
+              <a:t>IMGT/</a:t>
+            </a:r>
+            <a:r>
+              <a:rPr lang="en-US" dirty="0" err="1"/>
+              <a:t>HighV</a:t>
+            </a:r>
+            <a:r>
+              <a:rPr lang="en-US" dirty="0"/>
+              <a:t>-Quest TCR issues</a:t>
+            </a:r>
+          </a:p>
+          <a:p>
+            <a:pPr lvl="1"/>
+            <a:r>
+              <a:rPr lang="en-US" dirty="0"/>
+              <a:t>2nd-CYS 104 not identified: this may indicate potential nucleotide insertion(s) and/or deletion(s) which are not dealt in this release</a:t>
+            </a:r>
+          </a:p>
+          <a:p>
+            <a:pPr lvl="1"/>
+            <a:endParaRPr lang="en-US" dirty="0"/>
+          </a:p>
+        </p:txBody>
+      </p:sp>
+      <p:graphicFrame>
+        <p:nvGraphicFramePr>
+          <p:cNvPr id="6" name="Table 5">
+            <a:extLst>
+              <a:ext uri="{FF2B5EF4-FFF2-40B4-BE49-F238E27FC236}">
+                <a16:creationId xmlns:a16="http://schemas.microsoft.com/office/drawing/2014/main" id="{BEC62C16-0364-2589-7E09-D62F8C5F1F97}"/>
+              </a:ext>
+            </a:extLst>
+          </p:cNvPr>
+          <p:cNvGraphicFramePr>
+            <a:graphicFrameLocks noGrp="1"/>
+          </p:cNvGraphicFramePr>
+          <p:nvPr>
+            <p:extLst>
+              <p:ext uri="{D42A27DB-BD31-4B8C-83A1-F6EECF244321}">
+                <p14:modId xmlns:p14="http://schemas.microsoft.com/office/powerpoint/2010/main" val="1588992219"/>
+              </p:ext>
+            </p:extLst>
+          </p:nvPr>
+        </p:nvGraphicFramePr>
+        <p:xfrm>
+          <a:off x="942109" y="5054007"/>
+          <a:ext cx="10307781" cy="1483360"/>
+        </p:xfrm>
+        <a:graphic>
+          <a:graphicData uri="http://schemas.openxmlformats.org/drawingml/2006/table">
+            <a:tbl>
+              <a:tblPr firstRow="1" bandRow="1">
+                <a:tableStyleId>{5C22544A-7EE6-4342-B048-85BDC9FD1C3A}</a:tableStyleId>
+              </a:tblPr>
+              <a:tblGrid>
+                <a:gridCol w="4001985">
+                  <a:extLst>
+                    <a:ext uri="{9D8B030D-6E8A-4147-A177-3AD203B41FA5}">
+                      <a16:colId xmlns:a16="http://schemas.microsoft.com/office/drawing/2014/main" val="2638274434"/>
+                    </a:ext>
+                  </a:extLst>
+                </a:gridCol>
+                <a:gridCol w="2869869">
+                  <a:extLst>
+                    <a:ext uri="{9D8B030D-6E8A-4147-A177-3AD203B41FA5}">
+                      <a16:colId xmlns:a16="http://schemas.microsoft.com/office/drawing/2014/main" val="912844178"/>
+                    </a:ext>
+                  </a:extLst>
+                </a:gridCol>
+                <a:gridCol w="3435927">
+                  <a:extLst>
+                    <a:ext uri="{9D8B030D-6E8A-4147-A177-3AD203B41FA5}">
+                      <a16:colId xmlns:a16="http://schemas.microsoft.com/office/drawing/2014/main" val="3456375555"/>
+                    </a:ext>
+                  </a:extLst>
+                </a:gridCol>
+              </a:tblGrid>
+              <a:tr h="370840">
+                <a:tc>
+                  <a:txBody>
+                    <a:bodyPr/>
+                    <a:lstStyle/>
+                    <a:p>
+                      <a:r>
+                        <a:rPr lang="en-US" dirty="0"/>
+                        <a:t>IMGT/</a:t>
+                      </a:r>
+                      <a:r>
+                        <a:rPr lang="en-US" dirty="0" err="1"/>
+                        <a:t>HighV</a:t>
+                      </a:r>
+                      <a:r>
+                        <a:rPr lang="en-US" dirty="0"/>
+                        <a:t>-Quest summary</a:t>
+                      </a:r>
+                    </a:p>
+                  </a:txBody>
+                  <a:tcPr/>
+                </a:tc>
+                <a:tc>
+                  <a:txBody>
+                    <a:bodyPr/>
+                    <a:lstStyle/>
+                    <a:p>
+                      <a:r>
+                        <a:rPr lang="en-US" dirty="0"/>
+                        <a:t>TRA</a:t>
+                      </a:r>
+                    </a:p>
+                  </a:txBody>
+                  <a:tcPr/>
+                </a:tc>
+                <a:tc>
+                  <a:txBody>
+                    <a:bodyPr/>
+                    <a:lstStyle/>
+                    <a:p>
+                      <a:r>
+                        <a:rPr lang="en-US" dirty="0"/>
+                        <a:t>TRB</a:t>
+                      </a:r>
+                    </a:p>
+                  </a:txBody>
+                  <a:tcPr/>
+                </a:tc>
+                <a:extLst>
+                  <a:ext uri="{0D108BD9-81ED-4DB2-BD59-A6C34878D82A}">
+                    <a16:rowId xmlns:a16="http://schemas.microsoft.com/office/drawing/2014/main" val="3545368711"/>
+                  </a:ext>
+                </a:extLst>
+              </a:tr>
+              <a:tr h="370840">
+                <a:tc>
+                  <a:txBody>
+                    <a:bodyPr/>
+                    <a:lstStyle/>
+                    <a:p>
+                      <a:r>
+                        <a:rPr lang="en-US" dirty="0"/>
+                        <a:t># productive</a:t>
+                      </a:r>
+                    </a:p>
+                  </a:txBody>
+                  <a:tcPr/>
+                </a:tc>
+                <a:tc>
+                  <a:txBody>
+                    <a:bodyPr/>
+                    <a:lstStyle/>
+                    <a:p>
+                      <a:r>
+                        <a:rPr lang="en-US" dirty="0"/>
+                        <a:t>7</a:t>
+                      </a:r>
+                    </a:p>
+                  </a:txBody>
+                  <a:tcPr/>
+                </a:tc>
+                <a:tc>
+                  <a:txBody>
+                    <a:bodyPr/>
+                    <a:lstStyle/>
+                    <a:p>
+                      <a:r>
+                        <a:rPr lang="en-US" dirty="0"/>
+                        <a:t>3,502</a:t>
+                      </a:r>
+                    </a:p>
+                  </a:txBody>
+                  <a:tcPr/>
+                </a:tc>
+                <a:extLst>
+                  <a:ext uri="{0D108BD9-81ED-4DB2-BD59-A6C34878D82A}">
+                    <a16:rowId xmlns:a16="http://schemas.microsoft.com/office/drawing/2014/main" val="3584501276"/>
+                  </a:ext>
+                </a:extLst>
+              </a:tr>
+              <a:tr h="370840">
+                <a:tc>
+                  <a:txBody>
+                    <a:bodyPr/>
+                    <a:lstStyle/>
+                    <a:p>
+                      <a:r>
+                        <a:rPr lang="en-US" dirty="0"/>
+                        <a:t># rearranged but no junction found</a:t>
+                      </a:r>
+                    </a:p>
+                  </a:txBody>
+                  <a:tcPr/>
+                </a:tc>
+                <a:tc>
+                  <a:txBody>
+                    <a:bodyPr/>
+                    <a:lstStyle/>
+                    <a:p>
+                      <a:r>
+                        <a:rPr lang="en-US" dirty="0"/>
+                        <a:t>1,762</a:t>
+                      </a:r>
+                    </a:p>
+                  </a:txBody>
+                  <a:tcPr/>
+                </a:tc>
+                <a:tc>
+                  <a:txBody>
+                    <a:bodyPr/>
+                    <a:lstStyle/>
+                    <a:p>
+                      <a:r>
+                        <a:rPr lang="en-US" dirty="0"/>
+                        <a:t>14,592</a:t>
+                      </a:r>
+                    </a:p>
+                  </a:txBody>
+                  <a:tcPr/>
+                </a:tc>
+                <a:extLst>
+                  <a:ext uri="{0D108BD9-81ED-4DB2-BD59-A6C34878D82A}">
+                    <a16:rowId xmlns:a16="http://schemas.microsoft.com/office/drawing/2014/main" val="2892547707"/>
+                  </a:ext>
+                </a:extLst>
+              </a:tr>
+              <a:tr h="370840">
+                <a:tc>
+                  <a:txBody>
+                    <a:bodyPr/>
+                    <a:lstStyle/>
+                    <a:p>
+                      <a:r>
+                        <a:rPr lang="en-US" dirty="0"/>
+                        <a:t># unproductive</a:t>
+                      </a:r>
+                    </a:p>
+                  </a:txBody>
+                  <a:tcPr/>
+                </a:tc>
+                <a:tc>
+                  <a:txBody>
+                    <a:bodyPr/>
+                    <a:lstStyle/>
+                    <a:p>
+                      <a:r>
+                        <a:rPr lang="en-US" dirty="0"/>
+                        <a:t>7,703</a:t>
+                      </a:r>
+                    </a:p>
+                  </a:txBody>
+                  <a:tcPr/>
+                </a:tc>
+                <a:tc>
+                  <a:txBody>
+                    <a:bodyPr/>
+                    <a:lstStyle/>
+                    <a:p>
+                      <a:r>
+                        <a:rPr lang="en-US" dirty="0"/>
+                        <a:t>3,959</a:t>
+                      </a:r>
+                    </a:p>
+                  </a:txBody>
+                  <a:tcPr/>
+                </a:tc>
+                <a:extLst>
+                  <a:ext uri="{0D108BD9-81ED-4DB2-BD59-A6C34878D82A}">
+                    <a16:rowId xmlns:a16="http://schemas.microsoft.com/office/drawing/2014/main" val="953213716"/>
+                  </a:ext>
+                </a:extLst>
+              </a:tr>
+            </a:tbl>
+          </a:graphicData>
+        </a:graphic>
+      </p:graphicFrame>
+    </p:spTree>
+    <p:extLst>
+      <p:ext uri="{BB962C8B-B14F-4D97-AF65-F5344CB8AC3E}">
+        <p14:creationId xmlns:p14="http://schemas.microsoft.com/office/powerpoint/2010/main" val="4087678358"/>
       </p:ext>
     </p:extLst>
   </p:cSld>

--- a/linsley_postdoc/presentations/weekly_meetings/11_9_23.pptx
+++ b/linsley_postdoc/presentations/weekly_meetings/11_9_23.pptx
@@ -5,13 +5,19 @@
     <p:sldMasterId id="2147483648" r:id="rId1"/>
   </p:sldMasterIdLst>
   <p:notesMasterIdLst>
-    <p:notesMasterId r:id="rId6"/>
+    <p:notesMasterId r:id="rId12"/>
   </p:notesMasterIdLst>
   <p:sldIdLst>
     <p:sldId id="256" r:id="rId2"/>
     <p:sldId id="406" r:id="rId3"/>
     <p:sldId id="407" r:id="rId4"/>
     <p:sldId id="408" r:id="rId5"/>
+    <p:sldId id="409" r:id="rId6"/>
+    <p:sldId id="413" r:id="rId7"/>
+    <p:sldId id="411" r:id="rId8"/>
+    <p:sldId id="410" r:id="rId9"/>
+    <p:sldId id="412" r:id="rId10"/>
+    <p:sldId id="414" r:id="rId11"/>
   </p:sldIdLst>
   <p:sldSz cx="12192000" cy="6858000"/>
   <p:notesSz cx="6858000" cy="9144000"/>
@@ -211,7 +217,7 @@
           <a:p>
             <a:fld id="{E933A773-0DCE-3544-BB67-D5FA58DF903C}" type="datetimeFigureOut">
               <a:rPr lang="en-US" smtClean="0"/>
-              <a:t>11/6/23</a:t>
+              <a:t>11/7/23</a:t>
             </a:fld>
             <a:endParaRPr lang="en-US"/>
           </a:p>
@@ -562,6 +568,90 @@
 </p:notes>
 </file>
 
+<file path=ppt/notesSlides/notesSlide10.xml><?xml version="1.0" encoding="utf-8"?>
+<p:notes xmlns:a="http://schemas.openxmlformats.org/drawingml/2006/main" xmlns:r="http://schemas.openxmlformats.org/officeDocument/2006/relationships" xmlns:p="http://schemas.openxmlformats.org/presentationml/2006/main">
+  <p:cSld>
+    <p:spTree>
+      <p:nvGrpSpPr>
+        <p:cNvPr id="1" name=""/>
+        <p:cNvGrpSpPr/>
+        <p:nvPr/>
+      </p:nvGrpSpPr>
+      <p:grpSpPr>
+        <a:xfrm>
+          <a:off x="0" y="0"/>
+          <a:ext cx="0" cy="0"/>
+          <a:chOff x="0" y="0"/>
+          <a:chExt cx="0" cy="0"/>
+        </a:xfrm>
+      </p:grpSpPr>
+      <p:sp>
+        <p:nvSpPr>
+          <p:cNvPr id="2" name="Slide Image Placeholder 1"/>
+          <p:cNvSpPr>
+            <a:spLocks noGrp="1" noRot="1" noChangeAspect="1"/>
+          </p:cNvSpPr>
+          <p:nvPr>
+            <p:ph type="sldImg"/>
+          </p:nvPr>
+        </p:nvSpPr>
+        <p:spPr/>
+      </p:sp>
+      <p:sp>
+        <p:nvSpPr>
+          <p:cNvPr id="3" name="Notes Placeholder 2"/>
+          <p:cNvSpPr>
+            <a:spLocks noGrp="1"/>
+          </p:cNvSpPr>
+          <p:nvPr>
+            <p:ph type="body" idx="1"/>
+          </p:nvPr>
+        </p:nvSpPr>
+        <p:spPr/>
+        <p:txBody>
+          <a:bodyPr/>
+          <a:lstStyle/>
+          <a:p>
+            <a:endParaRPr lang="en-US" dirty="0"/>
+          </a:p>
+        </p:txBody>
+      </p:sp>
+      <p:sp>
+        <p:nvSpPr>
+          <p:cNvPr id="4" name="Slide Number Placeholder 3"/>
+          <p:cNvSpPr>
+            <a:spLocks noGrp="1"/>
+          </p:cNvSpPr>
+          <p:nvPr>
+            <p:ph type="sldNum" sz="quarter" idx="5"/>
+          </p:nvPr>
+        </p:nvSpPr>
+        <p:spPr/>
+        <p:txBody>
+          <a:bodyPr/>
+          <a:lstStyle/>
+          <a:p>
+            <a:fld id="{061BAA8C-FDC6-D345-B4E0-3B02449209FB}" type="slidenum">
+              <a:rPr lang="en-US" smtClean="0"/>
+              <a:t>10</a:t>
+            </a:fld>
+            <a:endParaRPr lang="en-US"/>
+          </a:p>
+        </p:txBody>
+      </p:sp>
+    </p:spTree>
+    <p:extLst>
+      <p:ext uri="{BB962C8B-B14F-4D97-AF65-F5344CB8AC3E}">
+        <p14:creationId xmlns:p14="http://schemas.microsoft.com/office/powerpoint/2010/main" val="2308662585"/>
+      </p:ext>
+    </p:extLst>
+  </p:cSld>
+  <p:clrMapOvr>
+    <a:masterClrMapping/>
+  </p:clrMapOvr>
+</p:notes>
+</file>
+
 <file path=ppt/notesSlides/notesSlide2.xml><?xml version="1.0" encoding="utf-8"?>
 <p:notes xmlns:a="http://schemas.openxmlformats.org/drawingml/2006/main" xmlns:r="http://schemas.openxmlformats.org/officeDocument/2006/relationships" xmlns:p="http://schemas.openxmlformats.org/presentationml/2006/main">
   <p:cSld>
@@ -829,6 +919,429 @@
     <p:extLst>
       <p:ext uri="{BB962C8B-B14F-4D97-AF65-F5344CB8AC3E}">
         <p14:creationId xmlns:p14="http://schemas.microsoft.com/office/powerpoint/2010/main" val="3188188146"/>
+      </p:ext>
+    </p:extLst>
+  </p:cSld>
+  <p:clrMapOvr>
+    <a:masterClrMapping/>
+  </p:clrMapOvr>
+</p:notes>
+</file>
+
+<file path=ppt/notesSlides/notesSlide5.xml><?xml version="1.0" encoding="utf-8"?>
+<p:notes xmlns:a="http://schemas.openxmlformats.org/drawingml/2006/main" xmlns:r="http://schemas.openxmlformats.org/officeDocument/2006/relationships" xmlns:p="http://schemas.openxmlformats.org/presentationml/2006/main">
+  <p:cSld>
+    <p:spTree>
+      <p:nvGrpSpPr>
+        <p:cNvPr id="1" name=""/>
+        <p:cNvGrpSpPr/>
+        <p:nvPr/>
+      </p:nvGrpSpPr>
+      <p:grpSpPr>
+        <a:xfrm>
+          <a:off x="0" y="0"/>
+          <a:ext cx="0" cy="0"/>
+          <a:chOff x="0" y="0"/>
+          <a:chExt cx="0" cy="0"/>
+        </a:xfrm>
+      </p:grpSpPr>
+      <p:sp>
+        <p:nvSpPr>
+          <p:cNvPr id="2" name="Slide Image Placeholder 1"/>
+          <p:cNvSpPr>
+            <a:spLocks noGrp="1" noRot="1" noChangeAspect="1"/>
+          </p:cNvSpPr>
+          <p:nvPr>
+            <p:ph type="sldImg"/>
+          </p:nvPr>
+        </p:nvSpPr>
+        <p:spPr/>
+      </p:sp>
+      <p:sp>
+        <p:nvSpPr>
+          <p:cNvPr id="3" name="Notes Placeholder 2"/>
+          <p:cNvSpPr>
+            <a:spLocks noGrp="1"/>
+          </p:cNvSpPr>
+          <p:nvPr>
+            <p:ph type="body" idx="1"/>
+          </p:nvPr>
+        </p:nvSpPr>
+        <p:spPr/>
+        <p:txBody>
+          <a:bodyPr/>
+          <a:lstStyle/>
+          <a:p>
+            <a:endParaRPr lang="en-US" dirty="0"/>
+          </a:p>
+        </p:txBody>
+      </p:sp>
+      <p:sp>
+        <p:nvSpPr>
+          <p:cNvPr id="4" name="Slide Number Placeholder 3"/>
+          <p:cNvSpPr>
+            <a:spLocks noGrp="1"/>
+          </p:cNvSpPr>
+          <p:nvPr>
+            <p:ph type="sldNum" sz="quarter" idx="5"/>
+          </p:nvPr>
+        </p:nvSpPr>
+        <p:spPr/>
+        <p:txBody>
+          <a:bodyPr/>
+          <a:lstStyle/>
+          <a:p>
+            <a:fld id="{061BAA8C-FDC6-D345-B4E0-3B02449209FB}" type="slidenum">
+              <a:rPr lang="en-US" smtClean="0"/>
+              <a:t>5</a:t>
+            </a:fld>
+            <a:endParaRPr lang="en-US"/>
+          </a:p>
+        </p:txBody>
+      </p:sp>
+    </p:spTree>
+    <p:extLst>
+      <p:ext uri="{BB962C8B-B14F-4D97-AF65-F5344CB8AC3E}">
+        <p14:creationId xmlns:p14="http://schemas.microsoft.com/office/powerpoint/2010/main" val="1373899787"/>
+      </p:ext>
+    </p:extLst>
+  </p:cSld>
+  <p:clrMapOvr>
+    <a:masterClrMapping/>
+  </p:clrMapOvr>
+</p:notes>
+</file>
+
+<file path=ppt/notesSlides/notesSlide6.xml><?xml version="1.0" encoding="utf-8"?>
+<p:notes xmlns:a="http://schemas.openxmlformats.org/drawingml/2006/main" xmlns:r="http://schemas.openxmlformats.org/officeDocument/2006/relationships" xmlns:p="http://schemas.openxmlformats.org/presentationml/2006/main">
+  <p:cSld>
+    <p:spTree>
+      <p:nvGrpSpPr>
+        <p:cNvPr id="1" name=""/>
+        <p:cNvGrpSpPr/>
+        <p:nvPr/>
+      </p:nvGrpSpPr>
+      <p:grpSpPr>
+        <a:xfrm>
+          <a:off x="0" y="0"/>
+          <a:ext cx="0" cy="0"/>
+          <a:chOff x="0" y="0"/>
+          <a:chExt cx="0" cy="0"/>
+        </a:xfrm>
+      </p:grpSpPr>
+      <p:sp>
+        <p:nvSpPr>
+          <p:cNvPr id="2" name="Slide Image Placeholder 1"/>
+          <p:cNvSpPr>
+            <a:spLocks noGrp="1" noRot="1" noChangeAspect="1"/>
+          </p:cNvSpPr>
+          <p:nvPr>
+            <p:ph type="sldImg"/>
+          </p:nvPr>
+        </p:nvSpPr>
+        <p:spPr/>
+      </p:sp>
+      <p:sp>
+        <p:nvSpPr>
+          <p:cNvPr id="3" name="Notes Placeholder 2"/>
+          <p:cNvSpPr>
+            <a:spLocks noGrp="1"/>
+          </p:cNvSpPr>
+          <p:nvPr>
+            <p:ph type="body" idx="1"/>
+          </p:nvPr>
+        </p:nvSpPr>
+        <p:spPr/>
+        <p:txBody>
+          <a:bodyPr/>
+          <a:lstStyle/>
+          <a:p>
+            <a:endParaRPr lang="en-US" dirty="0"/>
+          </a:p>
+        </p:txBody>
+      </p:sp>
+      <p:sp>
+        <p:nvSpPr>
+          <p:cNvPr id="4" name="Slide Number Placeholder 3"/>
+          <p:cNvSpPr>
+            <a:spLocks noGrp="1"/>
+          </p:cNvSpPr>
+          <p:nvPr>
+            <p:ph type="sldNum" sz="quarter" idx="5"/>
+          </p:nvPr>
+        </p:nvSpPr>
+        <p:spPr/>
+        <p:txBody>
+          <a:bodyPr/>
+          <a:lstStyle/>
+          <a:p>
+            <a:fld id="{061BAA8C-FDC6-D345-B4E0-3B02449209FB}" type="slidenum">
+              <a:rPr lang="en-US" smtClean="0"/>
+              <a:t>6</a:t>
+            </a:fld>
+            <a:endParaRPr lang="en-US"/>
+          </a:p>
+        </p:txBody>
+      </p:sp>
+    </p:spTree>
+    <p:extLst>
+      <p:ext uri="{BB962C8B-B14F-4D97-AF65-F5344CB8AC3E}">
+        <p14:creationId xmlns:p14="http://schemas.microsoft.com/office/powerpoint/2010/main" val="1761321898"/>
+      </p:ext>
+    </p:extLst>
+  </p:cSld>
+  <p:clrMapOvr>
+    <a:masterClrMapping/>
+  </p:clrMapOvr>
+</p:notes>
+</file>
+
+<file path=ppt/notesSlides/notesSlide7.xml><?xml version="1.0" encoding="utf-8"?>
+<p:notes xmlns:a="http://schemas.openxmlformats.org/drawingml/2006/main" xmlns:r="http://schemas.openxmlformats.org/officeDocument/2006/relationships" xmlns:p="http://schemas.openxmlformats.org/presentationml/2006/main">
+  <p:cSld>
+    <p:spTree>
+      <p:nvGrpSpPr>
+        <p:cNvPr id="1" name=""/>
+        <p:cNvGrpSpPr/>
+        <p:nvPr/>
+      </p:nvGrpSpPr>
+      <p:grpSpPr>
+        <a:xfrm>
+          <a:off x="0" y="0"/>
+          <a:ext cx="0" cy="0"/>
+          <a:chOff x="0" y="0"/>
+          <a:chExt cx="0" cy="0"/>
+        </a:xfrm>
+      </p:grpSpPr>
+      <p:sp>
+        <p:nvSpPr>
+          <p:cNvPr id="2" name="Slide Image Placeholder 1"/>
+          <p:cNvSpPr>
+            <a:spLocks noGrp="1" noRot="1" noChangeAspect="1"/>
+          </p:cNvSpPr>
+          <p:nvPr>
+            <p:ph type="sldImg"/>
+          </p:nvPr>
+        </p:nvSpPr>
+        <p:spPr/>
+      </p:sp>
+      <p:sp>
+        <p:nvSpPr>
+          <p:cNvPr id="3" name="Notes Placeholder 2"/>
+          <p:cNvSpPr>
+            <a:spLocks noGrp="1"/>
+          </p:cNvSpPr>
+          <p:nvPr>
+            <p:ph type="body" idx="1"/>
+          </p:nvPr>
+        </p:nvSpPr>
+        <p:spPr/>
+        <p:txBody>
+          <a:bodyPr/>
+          <a:lstStyle/>
+          <a:p>
+            <a:endParaRPr lang="en-US" dirty="0"/>
+          </a:p>
+        </p:txBody>
+      </p:sp>
+      <p:sp>
+        <p:nvSpPr>
+          <p:cNvPr id="4" name="Slide Number Placeholder 3"/>
+          <p:cNvSpPr>
+            <a:spLocks noGrp="1"/>
+          </p:cNvSpPr>
+          <p:nvPr>
+            <p:ph type="sldNum" sz="quarter" idx="5"/>
+          </p:nvPr>
+        </p:nvSpPr>
+        <p:spPr/>
+        <p:txBody>
+          <a:bodyPr/>
+          <a:lstStyle/>
+          <a:p>
+            <a:fld id="{061BAA8C-FDC6-D345-B4E0-3B02449209FB}" type="slidenum">
+              <a:rPr lang="en-US" smtClean="0"/>
+              <a:t>7</a:t>
+            </a:fld>
+            <a:endParaRPr lang="en-US"/>
+          </a:p>
+        </p:txBody>
+      </p:sp>
+    </p:spTree>
+    <p:extLst>
+      <p:ext uri="{BB962C8B-B14F-4D97-AF65-F5344CB8AC3E}">
+        <p14:creationId xmlns:p14="http://schemas.microsoft.com/office/powerpoint/2010/main" val="95359403"/>
+      </p:ext>
+    </p:extLst>
+  </p:cSld>
+  <p:clrMapOvr>
+    <a:masterClrMapping/>
+  </p:clrMapOvr>
+</p:notes>
+</file>
+
+<file path=ppt/notesSlides/notesSlide8.xml><?xml version="1.0" encoding="utf-8"?>
+<p:notes xmlns:a="http://schemas.openxmlformats.org/drawingml/2006/main" xmlns:r="http://schemas.openxmlformats.org/officeDocument/2006/relationships" xmlns:p="http://schemas.openxmlformats.org/presentationml/2006/main">
+  <p:cSld>
+    <p:spTree>
+      <p:nvGrpSpPr>
+        <p:cNvPr id="1" name=""/>
+        <p:cNvGrpSpPr/>
+        <p:nvPr/>
+      </p:nvGrpSpPr>
+      <p:grpSpPr>
+        <a:xfrm>
+          <a:off x="0" y="0"/>
+          <a:ext cx="0" cy="0"/>
+          <a:chOff x="0" y="0"/>
+          <a:chExt cx="0" cy="0"/>
+        </a:xfrm>
+      </p:grpSpPr>
+      <p:sp>
+        <p:nvSpPr>
+          <p:cNvPr id="2" name="Slide Image Placeholder 1"/>
+          <p:cNvSpPr>
+            <a:spLocks noGrp="1" noRot="1" noChangeAspect="1"/>
+          </p:cNvSpPr>
+          <p:nvPr>
+            <p:ph type="sldImg"/>
+          </p:nvPr>
+        </p:nvSpPr>
+        <p:spPr/>
+      </p:sp>
+      <p:sp>
+        <p:nvSpPr>
+          <p:cNvPr id="3" name="Notes Placeholder 2"/>
+          <p:cNvSpPr>
+            <a:spLocks noGrp="1"/>
+          </p:cNvSpPr>
+          <p:nvPr>
+            <p:ph type="body" idx="1"/>
+          </p:nvPr>
+        </p:nvSpPr>
+        <p:spPr/>
+        <p:txBody>
+          <a:bodyPr/>
+          <a:lstStyle/>
+          <a:p>
+            <a:r>
+              <a:rPr lang="en-US" dirty="0"/>
+              <a:t>~30% of T cells apparently have 2 alpha, ~1% 2 beta</a:t>
+            </a:r>
+          </a:p>
+        </p:txBody>
+      </p:sp>
+      <p:sp>
+        <p:nvSpPr>
+          <p:cNvPr id="4" name="Slide Number Placeholder 3"/>
+          <p:cNvSpPr>
+            <a:spLocks noGrp="1"/>
+          </p:cNvSpPr>
+          <p:nvPr>
+            <p:ph type="sldNum" sz="quarter" idx="5"/>
+          </p:nvPr>
+        </p:nvSpPr>
+        <p:spPr/>
+        <p:txBody>
+          <a:bodyPr/>
+          <a:lstStyle/>
+          <a:p>
+            <a:fld id="{061BAA8C-FDC6-D345-B4E0-3B02449209FB}" type="slidenum">
+              <a:rPr lang="en-US" smtClean="0"/>
+              <a:t>8</a:t>
+            </a:fld>
+            <a:endParaRPr lang="en-US"/>
+          </a:p>
+        </p:txBody>
+      </p:sp>
+    </p:spTree>
+    <p:extLst>
+      <p:ext uri="{BB962C8B-B14F-4D97-AF65-F5344CB8AC3E}">
+        <p14:creationId xmlns:p14="http://schemas.microsoft.com/office/powerpoint/2010/main" val="2186764621"/>
+      </p:ext>
+    </p:extLst>
+  </p:cSld>
+  <p:clrMapOvr>
+    <a:masterClrMapping/>
+  </p:clrMapOvr>
+</p:notes>
+</file>
+
+<file path=ppt/notesSlides/notesSlide9.xml><?xml version="1.0" encoding="utf-8"?>
+<p:notes xmlns:a="http://schemas.openxmlformats.org/drawingml/2006/main" xmlns:r="http://schemas.openxmlformats.org/officeDocument/2006/relationships" xmlns:p="http://schemas.openxmlformats.org/presentationml/2006/main">
+  <p:cSld>
+    <p:spTree>
+      <p:nvGrpSpPr>
+        <p:cNvPr id="1" name=""/>
+        <p:cNvGrpSpPr/>
+        <p:nvPr/>
+      </p:nvGrpSpPr>
+      <p:grpSpPr>
+        <a:xfrm>
+          <a:off x="0" y="0"/>
+          <a:ext cx="0" cy="0"/>
+          <a:chOff x="0" y="0"/>
+          <a:chExt cx="0" cy="0"/>
+        </a:xfrm>
+      </p:grpSpPr>
+      <p:sp>
+        <p:nvSpPr>
+          <p:cNvPr id="2" name="Slide Image Placeholder 1"/>
+          <p:cNvSpPr>
+            <a:spLocks noGrp="1" noRot="1" noChangeAspect="1"/>
+          </p:cNvSpPr>
+          <p:nvPr>
+            <p:ph type="sldImg"/>
+          </p:nvPr>
+        </p:nvSpPr>
+        <p:spPr/>
+      </p:sp>
+      <p:sp>
+        <p:nvSpPr>
+          <p:cNvPr id="3" name="Notes Placeholder 2"/>
+          <p:cNvSpPr>
+            <a:spLocks noGrp="1"/>
+          </p:cNvSpPr>
+          <p:nvPr>
+            <p:ph type="body" idx="1"/>
+          </p:nvPr>
+        </p:nvSpPr>
+        <p:spPr/>
+        <p:txBody>
+          <a:bodyPr/>
+          <a:lstStyle/>
+          <a:p>
+            <a:endParaRPr lang="en-US" dirty="0"/>
+          </a:p>
+        </p:txBody>
+      </p:sp>
+      <p:sp>
+        <p:nvSpPr>
+          <p:cNvPr id="4" name="Slide Number Placeholder 3"/>
+          <p:cNvSpPr>
+            <a:spLocks noGrp="1"/>
+          </p:cNvSpPr>
+          <p:nvPr>
+            <p:ph type="sldNum" sz="quarter" idx="5"/>
+          </p:nvPr>
+        </p:nvSpPr>
+        <p:spPr/>
+        <p:txBody>
+          <a:bodyPr/>
+          <a:lstStyle/>
+          <a:p>
+            <a:fld id="{061BAA8C-FDC6-D345-B4E0-3B02449209FB}" type="slidenum">
+              <a:rPr lang="en-US" smtClean="0"/>
+              <a:t>9</a:t>
+            </a:fld>
+            <a:endParaRPr lang="en-US"/>
+          </a:p>
+        </p:txBody>
+      </p:sp>
+    </p:spTree>
+    <p:extLst>
+      <p:ext uri="{BB962C8B-B14F-4D97-AF65-F5344CB8AC3E}">
+        <p14:creationId xmlns:p14="http://schemas.microsoft.com/office/powerpoint/2010/main" val="436782732"/>
       </p:ext>
     </p:extLst>
   </p:cSld>
@@ -985,7 +1498,7 @@
           <a:p>
             <a:fld id="{80FC6068-BAFB-FC44-B9D8-F4B3BB105DE6}" type="datetimeFigureOut">
               <a:rPr lang="en-US" smtClean="0"/>
-              <a:t>11/6/23</a:t>
+              <a:t>11/7/23</a:t>
             </a:fld>
             <a:endParaRPr lang="en-US"/>
           </a:p>
@@ -1183,7 +1696,7 @@
           <a:p>
             <a:fld id="{80FC6068-BAFB-FC44-B9D8-F4B3BB105DE6}" type="datetimeFigureOut">
               <a:rPr lang="en-US" smtClean="0"/>
-              <a:t>11/6/23</a:t>
+              <a:t>11/7/23</a:t>
             </a:fld>
             <a:endParaRPr lang="en-US"/>
           </a:p>
@@ -1391,7 +1904,7 @@
           <a:p>
             <a:fld id="{80FC6068-BAFB-FC44-B9D8-F4B3BB105DE6}" type="datetimeFigureOut">
               <a:rPr lang="en-US" smtClean="0"/>
-              <a:t>11/6/23</a:t>
+              <a:t>11/7/23</a:t>
             </a:fld>
             <a:endParaRPr lang="en-US"/>
           </a:p>
@@ -1595,7 +2108,7 @@
           <a:p>
             <a:fld id="{80FC6068-BAFB-FC44-B9D8-F4B3BB105DE6}" type="datetimeFigureOut">
               <a:rPr lang="en-US" smtClean="0"/>
-              <a:t>11/6/23</a:t>
+              <a:t>11/7/23</a:t>
             </a:fld>
             <a:endParaRPr lang="en-US"/>
           </a:p>
@@ -1886,7 +2399,7 @@
           <a:p>
             <a:fld id="{80FC6068-BAFB-FC44-B9D8-F4B3BB105DE6}" type="datetimeFigureOut">
               <a:rPr lang="en-US" smtClean="0"/>
-              <a:t>11/6/23</a:t>
+              <a:t>11/7/23</a:t>
             </a:fld>
             <a:endParaRPr lang="en-US"/>
           </a:p>
@@ -2151,7 +2664,7 @@
           <a:p>
             <a:fld id="{80FC6068-BAFB-FC44-B9D8-F4B3BB105DE6}" type="datetimeFigureOut">
               <a:rPr lang="en-US" smtClean="0"/>
-              <a:t>11/6/23</a:t>
+              <a:t>11/7/23</a:t>
             </a:fld>
             <a:endParaRPr lang="en-US"/>
           </a:p>
@@ -2563,7 +3076,7 @@
           <a:p>
             <a:fld id="{80FC6068-BAFB-FC44-B9D8-F4B3BB105DE6}" type="datetimeFigureOut">
               <a:rPr lang="en-US" smtClean="0"/>
-              <a:t>11/6/23</a:t>
+              <a:t>11/7/23</a:t>
             </a:fld>
             <a:endParaRPr lang="en-US"/>
           </a:p>
@@ -2704,7 +3217,7 @@
           <a:p>
             <a:fld id="{80FC6068-BAFB-FC44-B9D8-F4B3BB105DE6}" type="datetimeFigureOut">
               <a:rPr lang="en-US" smtClean="0"/>
-              <a:t>11/6/23</a:t>
+              <a:t>11/7/23</a:t>
             </a:fld>
             <a:endParaRPr lang="en-US"/>
           </a:p>
@@ -2817,7 +3330,7 @@
           <a:p>
             <a:fld id="{80FC6068-BAFB-FC44-B9D8-F4B3BB105DE6}" type="datetimeFigureOut">
               <a:rPr lang="en-US" smtClean="0"/>
-              <a:t>11/6/23</a:t>
+              <a:t>11/7/23</a:t>
             </a:fld>
             <a:endParaRPr lang="en-US"/>
           </a:p>
@@ -3128,7 +3641,7 @@
           <a:p>
             <a:fld id="{80FC6068-BAFB-FC44-B9D8-F4B3BB105DE6}" type="datetimeFigureOut">
               <a:rPr lang="en-US" smtClean="0"/>
-              <a:t>11/6/23</a:t>
+              <a:t>11/7/23</a:t>
             </a:fld>
             <a:endParaRPr lang="en-US"/>
           </a:p>
@@ -3416,7 +3929,7 @@
           <a:p>
             <a:fld id="{80FC6068-BAFB-FC44-B9D8-F4B3BB105DE6}" type="datetimeFigureOut">
               <a:rPr lang="en-US" smtClean="0"/>
-              <a:t>11/6/23</a:t>
+              <a:t>11/7/23</a:t>
             </a:fld>
             <a:endParaRPr lang="en-US"/>
           </a:p>
@@ -3657,7 +4170,7 @@
           <a:p>
             <a:fld id="{80FC6068-BAFB-FC44-B9D8-F4B3BB105DE6}" type="datetimeFigureOut">
               <a:rPr lang="en-US" smtClean="0"/>
-              <a:t>11/6/23</a:t>
+              <a:t>11/7/23</a:t>
             </a:fld>
             <a:endParaRPr lang="en-US"/>
           </a:p>
@@ -4151,6 +4664,126 @@
 </p:sld>
 </file>
 
+<file path=ppt/slides/slide10.xml><?xml version="1.0" encoding="utf-8"?>
+<p:sld xmlns:a="http://schemas.openxmlformats.org/drawingml/2006/main" xmlns:r="http://schemas.openxmlformats.org/officeDocument/2006/relationships" xmlns:p="http://schemas.openxmlformats.org/presentationml/2006/main">
+  <p:cSld>
+    <p:spTree>
+      <p:nvGrpSpPr>
+        <p:cNvPr id="1" name=""/>
+        <p:cNvGrpSpPr/>
+        <p:nvPr/>
+      </p:nvGrpSpPr>
+      <p:grpSpPr>
+        <a:xfrm>
+          <a:off x="0" y="0"/>
+          <a:ext cx="0" cy="0"/>
+          <a:chOff x="0" y="0"/>
+          <a:chExt cx="0" cy="0"/>
+        </a:xfrm>
+      </p:grpSpPr>
+      <p:sp>
+        <p:nvSpPr>
+          <p:cNvPr id="2" name="Title 1">
+            <a:extLst>
+              <a:ext uri="{FF2B5EF4-FFF2-40B4-BE49-F238E27FC236}">
+                <a16:creationId xmlns:a16="http://schemas.microsoft.com/office/drawing/2014/main" id="{70A4C97D-8F21-3D3B-6A90-EA7145324964}"/>
+              </a:ext>
+            </a:extLst>
+          </p:cNvPr>
+          <p:cNvSpPr>
+            <a:spLocks noGrp="1"/>
+          </p:cNvSpPr>
+          <p:nvPr>
+            <p:ph type="title"/>
+          </p:nvPr>
+        </p:nvSpPr>
+        <p:spPr>
+          <a:xfrm>
+            <a:off x="838200" y="593725"/>
+            <a:ext cx="10515600" cy="1325563"/>
+          </a:xfrm>
+        </p:spPr>
+        <p:txBody>
+          <a:bodyPr>
+            <a:normAutofit/>
+          </a:bodyPr>
+          <a:lstStyle/>
+          <a:p>
+            <a:r>
+              <a:rPr lang="en-US" dirty="0"/>
+              <a:t>Next steps</a:t>
+            </a:r>
+          </a:p>
+        </p:txBody>
+      </p:sp>
+      <p:sp>
+        <p:nvSpPr>
+          <p:cNvPr id="3" name="Content Placeholder 2">
+            <a:extLst>
+              <a:ext uri="{FF2B5EF4-FFF2-40B4-BE49-F238E27FC236}">
+                <a16:creationId xmlns:a16="http://schemas.microsoft.com/office/drawing/2014/main" id="{B9501834-7B32-1ACA-4358-B630FB8EEC36}"/>
+              </a:ext>
+            </a:extLst>
+          </p:cNvPr>
+          <p:cNvSpPr>
+            <a:spLocks noGrp="1"/>
+          </p:cNvSpPr>
+          <p:nvPr>
+            <p:ph idx="1"/>
+          </p:nvPr>
+        </p:nvSpPr>
+        <p:spPr>
+          <a:xfrm>
+            <a:off x="838200" y="1919290"/>
+            <a:ext cx="10668990" cy="3234602"/>
+          </a:xfrm>
+        </p:spPr>
+        <p:txBody>
+          <a:bodyPr>
+            <a:normAutofit/>
+          </a:bodyPr>
+          <a:lstStyle/>
+          <a:p>
+            <a:r>
+              <a:rPr lang="en-US" dirty="0"/>
+              <a:t>Using </a:t>
+            </a:r>
+            <a:r>
+              <a:rPr lang="en-US" dirty="0" err="1"/>
+              <a:t>TCRfold</a:t>
+            </a:r>
+            <a:r>
+              <a:rPr lang="en-US" dirty="0"/>
+              <a:t>/TCRmodel2 to predict if a TCR’s specificity ranks higher for tumor or self antigens, or both rank high?</a:t>
+            </a:r>
+          </a:p>
+          <a:p>
+            <a:pPr lvl="1"/>
+            <a:r>
+              <a:rPr lang="en-US" dirty="0"/>
+              <a:t>Compare expanded TCRs in patients with and without severe </a:t>
+            </a:r>
+            <a:r>
+              <a:rPr lang="en-US" dirty="0" err="1"/>
+              <a:t>irAEs</a:t>
+            </a:r>
+            <a:endParaRPr lang="en-US" dirty="0"/>
+          </a:p>
+        </p:txBody>
+      </p:sp>
+    </p:spTree>
+    <p:extLst>
+      <p:ext uri="{BB962C8B-B14F-4D97-AF65-F5344CB8AC3E}">
+        <p14:creationId xmlns:p14="http://schemas.microsoft.com/office/powerpoint/2010/main" val="723208098"/>
+      </p:ext>
+    </p:extLst>
+  </p:cSld>
+  <p:clrMapOvr>
+    <a:masterClrMapping/>
+  </p:clrMapOvr>
+</p:sld>
+</file>
+
 <file path=ppt/slides/slide2.xml><?xml version="1.0" encoding="utf-8"?>
 <p:sld xmlns:a="http://schemas.openxmlformats.org/drawingml/2006/main" xmlns:r="http://schemas.openxmlformats.org/officeDocument/2006/relationships" xmlns:p="http://schemas.openxmlformats.org/presentationml/2006/main">
   <p:cSld>
@@ -4863,6 +5496,787 @@
     <p:extLst>
       <p:ext uri="{BB962C8B-B14F-4D97-AF65-F5344CB8AC3E}">
         <p14:creationId xmlns:p14="http://schemas.microsoft.com/office/powerpoint/2010/main" val="4087678358"/>
+      </p:ext>
+    </p:extLst>
+  </p:cSld>
+  <p:clrMapOvr>
+    <a:masterClrMapping/>
+  </p:clrMapOvr>
+</p:sld>
+</file>
+
+<file path=ppt/slides/slide5.xml><?xml version="1.0" encoding="utf-8"?>
+<p:sld xmlns:a="http://schemas.openxmlformats.org/drawingml/2006/main" xmlns:r="http://schemas.openxmlformats.org/officeDocument/2006/relationships" xmlns:p="http://schemas.openxmlformats.org/presentationml/2006/main">
+  <p:cSld>
+    <p:spTree>
+      <p:nvGrpSpPr>
+        <p:cNvPr id="1" name=""/>
+        <p:cNvGrpSpPr/>
+        <p:nvPr/>
+      </p:nvGrpSpPr>
+      <p:grpSpPr>
+        <a:xfrm>
+          <a:off x="0" y="0"/>
+          <a:ext cx="0" cy="0"/>
+          <a:chOff x="0" y="0"/>
+          <a:chExt cx="0" cy="0"/>
+        </a:xfrm>
+      </p:grpSpPr>
+      <p:sp>
+        <p:nvSpPr>
+          <p:cNvPr id="2" name="Title 1">
+            <a:extLst>
+              <a:ext uri="{FF2B5EF4-FFF2-40B4-BE49-F238E27FC236}">
+                <a16:creationId xmlns:a16="http://schemas.microsoft.com/office/drawing/2014/main" id="{70A4C97D-8F21-3D3B-6A90-EA7145324964}"/>
+              </a:ext>
+            </a:extLst>
+          </p:cNvPr>
+          <p:cNvSpPr>
+            <a:spLocks noGrp="1"/>
+          </p:cNvSpPr>
+          <p:nvPr>
+            <p:ph type="title"/>
+          </p:nvPr>
+        </p:nvSpPr>
+        <p:spPr>
+          <a:xfrm>
+            <a:off x="838200" y="593725"/>
+            <a:ext cx="10515600" cy="1325563"/>
+          </a:xfrm>
+        </p:spPr>
+        <p:txBody>
+          <a:bodyPr>
+            <a:normAutofit/>
+          </a:bodyPr>
+          <a:lstStyle/>
+          <a:p>
+            <a:r>
+              <a:rPr lang="en-US" dirty="0"/>
+              <a:t>Stratifying TCR feature analysis by expansion degree</a:t>
+            </a:r>
+          </a:p>
+        </p:txBody>
+      </p:sp>
+      <p:sp>
+        <p:nvSpPr>
+          <p:cNvPr id="3" name="Content Placeholder 2">
+            <a:extLst>
+              <a:ext uri="{FF2B5EF4-FFF2-40B4-BE49-F238E27FC236}">
+                <a16:creationId xmlns:a16="http://schemas.microsoft.com/office/drawing/2014/main" id="{B9501834-7B32-1ACA-4358-B630FB8EEC36}"/>
+              </a:ext>
+            </a:extLst>
+          </p:cNvPr>
+          <p:cNvSpPr>
+            <a:spLocks noGrp="1"/>
+          </p:cNvSpPr>
+          <p:nvPr>
+            <p:ph idx="1"/>
+          </p:nvPr>
+        </p:nvSpPr>
+        <p:spPr>
+          <a:xfrm>
+            <a:off x="838200" y="1919290"/>
+            <a:ext cx="10668990" cy="3234602"/>
+          </a:xfrm>
+        </p:spPr>
+        <p:txBody>
+          <a:bodyPr>
+            <a:normAutofit/>
+          </a:bodyPr>
+          <a:lstStyle/>
+          <a:p>
+            <a:endParaRPr lang="en-US" dirty="0"/>
+          </a:p>
+        </p:txBody>
+      </p:sp>
+      <p:pic>
+        <p:nvPicPr>
+          <p:cNvPr id="8" name="Picture 7">
+            <a:extLst>
+              <a:ext uri="{FF2B5EF4-FFF2-40B4-BE49-F238E27FC236}">
+                <a16:creationId xmlns:a16="http://schemas.microsoft.com/office/drawing/2014/main" id="{AE8D515F-AEB7-28BC-F90A-C82FD9C1AB71}"/>
+              </a:ext>
+            </a:extLst>
+          </p:cNvPr>
+          <p:cNvPicPr>
+            <a:picLocks noChangeAspect="1"/>
+          </p:cNvPicPr>
+          <p:nvPr/>
+        </p:nvPicPr>
+        <p:blipFill>
+          <a:blip r:embed="rId3"/>
+          <a:stretch>
+            <a:fillRect/>
+          </a:stretch>
+        </p:blipFill>
+        <p:spPr>
+          <a:xfrm>
+            <a:off x="0" y="1834408"/>
+            <a:ext cx="6096000" cy="3746995"/>
+          </a:xfrm>
+          <a:prstGeom prst="rect">
+            <a:avLst/>
+          </a:prstGeom>
+        </p:spPr>
+      </p:pic>
+      <p:pic>
+        <p:nvPicPr>
+          <p:cNvPr id="9" name="Picture 8">
+            <a:extLst>
+              <a:ext uri="{FF2B5EF4-FFF2-40B4-BE49-F238E27FC236}">
+                <a16:creationId xmlns:a16="http://schemas.microsoft.com/office/drawing/2014/main" id="{C3378CB1-CCE5-70D1-D4D1-A94293A38C90}"/>
+              </a:ext>
+            </a:extLst>
+          </p:cNvPr>
+          <p:cNvPicPr>
+            <a:picLocks noChangeAspect="1"/>
+          </p:cNvPicPr>
+          <p:nvPr/>
+        </p:nvPicPr>
+        <p:blipFill>
+          <a:blip r:embed="rId4"/>
+          <a:stretch>
+            <a:fillRect/>
+          </a:stretch>
+        </p:blipFill>
+        <p:spPr>
+          <a:xfrm>
+            <a:off x="6096000" y="1808603"/>
+            <a:ext cx="6096000" cy="3772800"/>
+          </a:xfrm>
+          <a:prstGeom prst="rect">
+            <a:avLst/>
+          </a:prstGeom>
+        </p:spPr>
+      </p:pic>
+    </p:spTree>
+    <p:extLst>
+      <p:ext uri="{BB962C8B-B14F-4D97-AF65-F5344CB8AC3E}">
+        <p14:creationId xmlns:p14="http://schemas.microsoft.com/office/powerpoint/2010/main" val="3891563725"/>
+      </p:ext>
+    </p:extLst>
+  </p:cSld>
+  <p:clrMapOvr>
+    <a:masterClrMapping/>
+  </p:clrMapOvr>
+</p:sld>
+</file>
+
+<file path=ppt/slides/slide6.xml><?xml version="1.0" encoding="utf-8"?>
+<p:sld xmlns:a="http://schemas.openxmlformats.org/drawingml/2006/main" xmlns:r="http://schemas.openxmlformats.org/officeDocument/2006/relationships" xmlns:p="http://schemas.openxmlformats.org/presentationml/2006/main">
+  <p:cSld>
+    <p:spTree>
+      <p:nvGrpSpPr>
+        <p:cNvPr id="1" name=""/>
+        <p:cNvGrpSpPr/>
+        <p:nvPr/>
+      </p:nvGrpSpPr>
+      <p:grpSpPr>
+        <a:xfrm>
+          <a:off x="0" y="0"/>
+          <a:ext cx="0" cy="0"/>
+          <a:chOff x="0" y="0"/>
+          <a:chExt cx="0" cy="0"/>
+        </a:xfrm>
+      </p:grpSpPr>
+      <p:sp>
+        <p:nvSpPr>
+          <p:cNvPr id="2" name="Title 1">
+            <a:extLst>
+              <a:ext uri="{FF2B5EF4-FFF2-40B4-BE49-F238E27FC236}">
+                <a16:creationId xmlns:a16="http://schemas.microsoft.com/office/drawing/2014/main" id="{70A4C97D-8F21-3D3B-6A90-EA7145324964}"/>
+              </a:ext>
+            </a:extLst>
+          </p:cNvPr>
+          <p:cNvSpPr>
+            <a:spLocks noGrp="1"/>
+          </p:cNvSpPr>
+          <p:nvPr>
+            <p:ph type="title"/>
+          </p:nvPr>
+        </p:nvSpPr>
+        <p:spPr>
+          <a:xfrm>
+            <a:off x="838200" y="593725"/>
+            <a:ext cx="10515600" cy="1325563"/>
+          </a:xfrm>
+        </p:spPr>
+        <p:txBody>
+          <a:bodyPr>
+            <a:normAutofit/>
+          </a:bodyPr>
+          <a:lstStyle/>
+          <a:p>
+            <a:r>
+              <a:rPr lang="en-US" dirty="0"/>
+              <a:t>Stratifying unique TCR feature analysis by expansion degree</a:t>
+            </a:r>
+          </a:p>
+        </p:txBody>
+      </p:sp>
+      <p:sp>
+        <p:nvSpPr>
+          <p:cNvPr id="3" name="Content Placeholder 2">
+            <a:extLst>
+              <a:ext uri="{FF2B5EF4-FFF2-40B4-BE49-F238E27FC236}">
+                <a16:creationId xmlns:a16="http://schemas.microsoft.com/office/drawing/2014/main" id="{B9501834-7B32-1ACA-4358-B630FB8EEC36}"/>
+              </a:ext>
+            </a:extLst>
+          </p:cNvPr>
+          <p:cNvSpPr>
+            <a:spLocks noGrp="1"/>
+          </p:cNvSpPr>
+          <p:nvPr>
+            <p:ph idx="1"/>
+          </p:nvPr>
+        </p:nvSpPr>
+        <p:spPr>
+          <a:xfrm>
+            <a:off x="838200" y="1919290"/>
+            <a:ext cx="10668990" cy="3234602"/>
+          </a:xfrm>
+        </p:spPr>
+        <p:txBody>
+          <a:bodyPr>
+            <a:normAutofit/>
+          </a:bodyPr>
+          <a:lstStyle/>
+          <a:p>
+            <a:endParaRPr lang="en-US" dirty="0"/>
+          </a:p>
+        </p:txBody>
+      </p:sp>
+      <p:pic>
+        <p:nvPicPr>
+          <p:cNvPr id="10" name="Picture 9">
+            <a:extLst>
+              <a:ext uri="{FF2B5EF4-FFF2-40B4-BE49-F238E27FC236}">
+                <a16:creationId xmlns:a16="http://schemas.microsoft.com/office/drawing/2014/main" id="{26BD0C93-B794-BAD5-0AFE-2AEFF681B0B0}"/>
+              </a:ext>
+            </a:extLst>
+          </p:cNvPr>
+          <p:cNvPicPr>
+            <a:picLocks noChangeAspect="1"/>
+          </p:cNvPicPr>
+          <p:nvPr/>
+        </p:nvPicPr>
+        <p:blipFill>
+          <a:blip r:embed="rId3"/>
+          <a:stretch>
+            <a:fillRect/>
+          </a:stretch>
+        </p:blipFill>
+        <p:spPr>
+          <a:xfrm>
+            <a:off x="0" y="1919288"/>
+            <a:ext cx="5877249" cy="3700144"/>
+          </a:xfrm>
+          <a:prstGeom prst="rect">
+            <a:avLst/>
+          </a:prstGeom>
+        </p:spPr>
+      </p:pic>
+      <p:pic>
+        <p:nvPicPr>
+          <p:cNvPr id="11" name="Picture 10">
+            <a:extLst>
+              <a:ext uri="{FF2B5EF4-FFF2-40B4-BE49-F238E27FC236}">
+                <a16:creationId xmlns:a16="http://schemas.microsoft.com/office/drawing/2014/main" id="{9B29A542-A909-0F94-6E53-731DDD43EB8C}"/>
+              </a:ext>
+            </a:extLst>
+          </p:cNvPr>
+          <p:cNvPicPr>
+            <a:picLocks noChangeAspect="1"/>
+          </p:cNvPicPr>
+          <p:nvPr/>
+        </p:nvPicPr>
+        <p:blipFill>
+          <a:blip r:embed="rId4"/>
+          <a:stretch>
+            <a:fillRect/>
+          </a:stretch>
+        </p:blipFill>
+        <p:spPr>
+          <a:xfrm>
+            <a:off x="6172695" y="1919288"/>
+            <a:ext cx="5975078" cy="3732096"/>
+          </a:xfrm>
+          <a:prstGeom prst="rect">
+            <a:avLst/>
+          </a:prstGeom>
+        </p:spPr>
+      </p:pic>
+    </p:spTree>
+    <p:extLst>
+      <p:ext uri="{BB962C8B-B14F-4D97-AF65-F5344CB8AC3E}">
+        <p14:creationId xmlns:p14="http://schemas.microsoft.com/office/powerpoint/2010/main" val="2142305767"/>
+      </p:ext>
+    </p:extLst>
+  </p:cSld>
+  <p:clrMapOvr>
+    <a:masterClrMapping/>
+  </p:clrMapOvr>
+</p:sld>
+</file>
+
+<file path=ppt/slides/slide7.xml><?xml version="1.0" encoding="utf-8"?>
+<p:sld xmlns:a="http://schemas.openxmlformats.org/drawingml/2006/main" xmlns:r="http://schemas.openxmlformats.org/officeDocument/2006/relationships" xmlns:p="http://schemas.openxmlformats.org/presentationml/2006/main">
+  <p:cSld>
+    <p:spTree>
+      <p:nvGrpSpPr>
+        <p:cNvPr id="1" name=""/>
+        <p:cNvGrpSpPr/>
+        <p:nvPr/>
+      </p:nvGrpSpPr>
+      <p:grpSpPr>
+        <a:xfrm>
+          <a:off x="0" y="0"/>
+          <a:ext cx="0" cy="0"/>
+          <a:chOff x="0" y="0"/>
+          <a:chExt cx="0" cy="0"/>
+        </a:xfrm>
+      </p:grpSpPr>
+      <p:sp>
+        <p:nvSpPr>
+          <p:cNvPr id="2" name="Title 1">
+            <a:extLst>
+              <a:ext uri="{FF2B5EF4-FFF2-40B4-BE49-F238E27FC236}">
+                <a16:creationId xmlns:a16="http://schemas.microsoft.com/office/drawing/2014/main" id="{70A4C97D-8F21-3D3B-6A90-EA7145324964}"/>
+              </a:ext>
+            </a:extLst>
+          </p:cNvPr>
+          <p:cNvSpPr>
+            <a:spLocks noGrp="1"/>
+          </p:cNvSpPr>
+          <p:nvPr>
+            <p:ph type="title"/>
+          </p:nvPr>
+        </p:nvSpPr>
+        <p:spPr>
+          <a:xfrm>
+            <a:off x="838200" y="593725"/>
+            <a:ext cx="10515600" cy="1325563"/>
+          </a:xfrm>
+        </p:spPr>
+        <p:txBody>
+          <a:bodyPr>
+            <a:normAutofit/>
+          </a:bodyPr>
+          <a:lstStyle/>
+          <a:p>
+            <a:r>
+              <a:rPr lang="en-US" dirty="0"/>
+              <a:t>Public TCR feature analysis</a:t>
+            </a:r>
+          </a:p>
+        </p:txBody>
+      </p:sp>
+      <p:sp>
+        <p:nvSpPr>
+          <p:cNvPr id="3" name="Content Placeholder 2">
+            <a:extLst>
+              <a:ext uri="{FF2B5EF4-FFF2-40B4-BE49-F238E27FC236}">
+                <a16:creationId xmlns:a16="http://schemas.microsoft.com/office/drawing/2014/main" id="{B9501834-7B32-1ACA-4358-B630FB8EEC36}"/>
+              </a:ext>
+            </a:extLst>
+          </p:cNvPr>
+          <p:cNvSpPr>
+            <a:spLocks noGrp="1"/>
+          </p:cNvSpPr>
+          <p:nvPr>
+            <p:ph idx="1"/>
+          </p:nvPr>
+        </p:nvSpPr>
+        <p:spPr>
+          <a:xfrm>
+            <a:off x="838200" y="1919290"/>
+            <a:ext cx="10668990" cy="3234602"/>
+          </a:xfrm>
+        </p:spPr>
+        <p:txBody>
+          <a:bodyPr>
+            <a:normAutofit/>
+          </a:bodyPr>
+          <a:lstStyle/>
+          <a:p>
+            <a:endParaRPr lang="en-US" dirty="0"/>
+          </a:p>
+        </p:txBody>
+      </p:sp>
+      <p:pic>
+        <p:nvPicPr>
+          <p:cNvPr id="7" name="Picture 6">
+            <a:extLst>
+              <a:ext uri="{FF2B5EF4-FFF2-40B4-BE49-F238E27FC236}">
+                <a16:creationId xmlns:a16="http://schemas.microsoft.com/office/drawing/2014/main" id="{619A8248-6E71-1847-FAAC-2C8F86716640}"/>
+              </a:ext>
+            </a:extLst>
+          </p:cNvPr>
+          <p:cNvPicPr>
+            <a:picLocks noChangeAspect="1"/>
+          </p:cNvPicPr>
+          <p:nvPr/>
+        </p:nvPicPr>
+        <p:blipFill>
+          <a:blip r:embed="rId3"/>
+          <a:stretch>
+            <a:fillRect/>
+          </a:stretch>
+        </p:blipFill>
+        <p:spPr>
+          <a:xfrm>
+            <a:off x="216230" y="2312590"/>
+            <a:ext cx="5956465" cy="3690418"/>
+          </a:xfrm>
+          <a:prstGeom prst="rect">
+            <a:avLst/>
+          </a:prstGeom>
+        </p:spPr>
+      </p:pic>
+      <p:sp>
+        <p:nvSpPr>
+          <p:cNvPr id="6" name="TextBox 5">
+            <a:extLst>
+              <a:ext uri="{FF2B5EF4-FFF2-40B4-BE49-F238E27FC236}">
+                <a16:creationId xmlns:a16="http://schemas.microsoft.com/office/drawing/2014/main" id="{41B7D3B0-7530-8A68-5411-7AB219C15C81}"/>
+              </a:ext>
+            </a:extLst>
+          </p:cNvPr>
+          <p:cNvSpPr txBox="1"/>
+          <p:nvPr/>
+        </p:nvSpPr>
+        <p:spPr>
+          <a:xfrm>
+            <a:off x="8208638" y="1856508"/>
+            <a:ext cx="1986506" cy="369332"/>
+          </a:xfrm>
+          <a:prstGeom prst="rect">
+            <a:avLst/>
+          </a:prstGeom>
+          <a:noFill/>
+        </p:spPr>
+        <p:txBody>
+          <a:bodyPr wrap="none" rtlCol="0">
+            <a:spAutoFit/>
+          </a:bodyPr>
+          <a:lstStyle/>
+          <a:p>
+            <a:r>
+              <a:rPr lang="en-US" dirty="0"/>
+              <a:t>Unique public TCRs</a:t>
+            </a:r>
+          </a:p>
+        </p:txBody>
+      </p:sp>
+      <p:sp>
+        <p:nvSpPr>
+          <p:cNvPr id="8" name="TextBox 7">
+            <a:extLst>
+              <a:ext uri="{FF2B5EF4-FFF2-40B4-BE49-F238E27FC236}">
+                <a16:creationId xmlns:a16="http://schemas.microsoft.com/office/drawing/2014/main" id="{804E051E-B2F4-7A0C-37F0-0BEFCA06CDAA}"/>
+              </a:ext>
+            </a:extLst>
+          </p:cNvPr>
+          <p:cNvSpPr txBox="1"/>
+          <p:nvPr/>
+        </p:nvSpPr>
+        <p:spPr>
+          <a:xfrm>
+            <a:off x="2422423" y="1856508"/>
+            <a:ext cx="1544077" cy="369332"/>
+          </a:xfrm>
+          <a:prstGeom prst="rect">
+            <a:avLst/>
+          </a:prstGeom>
+          <a:noFill/>
+        </p:spPr>
+        <p:txBody>
+          <a:bodyPr wrap="none" rtlCol="0">
+            <a:spAutoFit/>
+          </a:bodyPr>
+          <a:lstStyle/>
+          <a:p>
+            <a:r>
+              <a:rPr lang="en-US" dirty="0"/>
+              <a:t>All public TCRs</a:t>
+            </a:r>
+          </a:p>
+        </p:txBody>
+      </p:sp>
+      <p:pic>
+        <p:nvPicPr>
+          <p:cNvPr id="9" name="Picture 8">
+            <a:extLst>
+              <a:ext uri="{FF2B5EF4-FFF2-40B4-BE49-F238E27FC236}">
+                <a16:creationId xmlns:a16="http://schemas.microsoft.com/office/drawing/2014/main" id="{912623DC-A175-C7B7-1372-7962F051D61B}"/>
+              </a:ext>
+            </a:extLst>
+          </p:cNvPr>
+          <p:cNvPicPr>
+            <a:picLocks noChangeAspect="1"/>
+          </p:cNvPicPr>
+          <p:nvPr/>
+        </p:nvPicPr>
+        <p:blipFill>
+          <a:blip r:embed="rId4"/>
+          <a:stretch>
+            <a:fillRect/>
+          </a:stretch>
+        </p:blipFill>
+        <p:spPr>
+          <a:xfrm>
+            <a:off x="6274623" y="2271337"/>
+            <a:ext cx="5854537" cy="3772924"/>
+          </a:xfrm>
+          <a:prstGeom prst="rect">
+            <a:avLst/>
+          </a:prstGeom>
+        </p:spPr>
+      </p:pic>
+    </p:spTree>
+    <p:extLst>
+      <p:ext uri="{BB962C8B-B14F-4D97-AF65-F5344CB8AC3E}">
+        <p14:creationId xmlns:p14="http://schemas.microsoft.com/office/powerpoint/2010/main" val="1923752319"/>
+      </p:ext>
+    </p:extLst>
+  </p:cSld>
+  <p:clrMapOvr>
+    <a:masterClrMapping/>
+  </p:clrMapOvr>
+</p:sld>
+</file>
+
+<file path=ppt/slides/slide8.xml><?xml version="1.0" encoding="utf-8"?>
+<p:sld xmlns:a="http://schemas.openxmlformats.org/drawingml/2006/main" xmlns:r="http://schemas.openxmlformats.org/officeDocument/2006/relationships" xmlns:p="http://schemas.openxmlformats.org/presentationml/2006/main">
+  <p:cSld>
+    <p:spTree>
+      <p:nvGrpSpPr>
+        <p:cNvPr id="1" name=""/>
+        <p:cNvGrpSpPr/>
+        <p:nvPr/>
+      </p:nvGrpSpPr>
+      <p:grpSpPr>
+        <a:xfrm>
+          <a:off x="0" y="0"/>
+          <a:ext cx="0" cy="0"/>
+          <a:chOff x="0" y="0"/>
+          <a:chExt cx="0" cy="0"/>
+        </a:xfrm>
+      </p:grpSpPr>
+      <p:sp>
+        <p:nvSpPr>
+          <p:cNvPr id="2" name="Title 1">
+            <a:extLst>
+              <a:ext uri="{FF2B5EF4-FFF2-40B4-BE49-F238E27FC236}">
+                <a16:creationId xmlns:a16="http://schemas.microsoft.com/office/drawing/2014/main" id="{70A4C97D-8F21-3D3B-6A90-EA7145324964}"/>
+              </a:ext>
+            </a:extLst>
+          </p:cNvPr>
+          <p:cNvSpPr>
+            <a:spLocks noGrp="1"/>
+          </p:cNvSpPr>
+          <p:nvPr>
+            <p:ph type="title"/>
+          </p:nvPr>
+        </p:nvSpPr>
+        <p:spPr>
+          <a:xfrm>
+            <a:off x="838200" y="593725"/>
+            <a:ext cx="10515600" cy="1325563"/>
+          </a:xfrm>
+        </p:spPr>
+        <p:txBody>
+          <a:bodyPr>
+            <a:normAutofit/>
+          </a:bodyPr>
+          <a:lstStyle/>
+          <a:p>
+            <a:r>
+              <a:rPr lang="en-US" dirty="0"/>
+              <a:t>Calculating frequencies of TRA:TRB combinations per patient </a:t>
+            </a:r>
+          </a:p>
+        </p:txBody>
+      </p:sp>
+      <p:sp>
+        <p:nvSpPr>
+          <p:cNvPr id="3" name="Content Placeholder 2">
+            <a:extLst>
+              <a:ext uri="{FF2B5EF4-FFF2-40B4-BE49-F238E27FC236}">
+                <a16:creationId xmlns:a16="http://schemas.microsoft.com/office/drawing/2014/main" id="{B9501834-7B32-1ACA-4358-B630FB8EEC36}"/>
+              </a:ext>
+            </a:extLst>
+          </p:cNvPr>
+          <p:cNvSpPr>
+            <a:spLocks noGrp="1"/>
+          </p:cNvSpPr>
+          <p:nvPr>
+            <p:ph idx="1"/>
+          </p:nvPr>
+        </p:nvSpPr>
+        <p:spPr>
+          <a:xfrm>
+            <a:off x="838200" y="1919290"/>
+            <a:ext cx="10668990" cy="3234602"/>
+          </a:xfrm>
+        </p:spPr>
+        <p:txBody>
+          <a:bodyPr>
+            <a:normAutofit/>
+          </a:bodyPr>
+          <a:lstStyle/>
+          <a:p>
+            <a:endParaRPr lang="en-US" dirty="0"/>
+          </a:p>
+        </p:txBody>
+      </p:sp>
+      <p:pic>
+        <p:nvPicPr>
+          <p:cNvPr id="4" name="Picture 3">
+            <a:extLst>
+              <a:ext uri="{FF2B5EF4-FFF2-40B4-BE49-F238E27FC236}">
+                <a16:creationId xmlns:a16="http://schemas.microsoft.com/office/drawing/2014/main" id="{2F4434A9-3116-031A-1436-7598B965F150}"/>
+              </a:ext>
+            </a:extLst>
+          </p:cNvPr>
+          <p:cNvPicPr>
+            <a:picLocks noChangeAspect="1"/>
+          </p:cNvPicPr>
+          <p:nvPr/>
+        </p:nvPicPr>
+        <p:blipFill>
+          <a:blip r:embed="rId3"/>
+          <a:stretch>
+            <a:fillRect/>
+          </a:stretch>
+        </p:blipFill>
+        <p:spPr>
+          <a:xfrm>
+            <a:off x="2209800" y="1919288"/>
+            <a:ext cx="7772400" cy="4868426"/>
+          </a:xfrm>
+          <a:prstGeom prst="rect">
+            <a:avLst/>
+          </a:prstGeom>
+        </p:spPr>
+      </p:pic>
+    </p:spTree>
+    <p:extLst>
+      <p:ext uri="{BB962C8B-B14F-4D97-AF65-F5344CB8AC3E}">
+        <p14:creationId xmlns:p14="http://schemas.microsoft.com/office/powerpoint/2010/main" val="1940199756"/>
+      </p:ext>
+    </p:extLst>
+  </p:cSld>
+  <p:clrMapOvr>
+    <a:masterClrMapping/>
+  </p:clrMapOvr>
+</p:sld>
+</file>
+
+<file path=ppt/slides/slide9.xml><?xml version="1.0" encoding="utf-8"?>
+<p:sld xmlns:a="http://schemas.openxmlformats.org/drawingml/2006/main" xmlns:r="http://schemas.openxmlformats.org/officeDocument/2006/relationships" xmlns:p="http://schemas.openxmlformats.org/presentationml/2006/main">
+  <p:cSld>
+    <p:spTree>
+      <p:nvGrpSpPr>
+        <p:cNvPr id="1" name=""/>
+        <p:cNvGrpSpPr/>
+        <p:nvPr/>
+      </p:nvGrpSpPr>
+      <p:grpSpPr>
+        <a:xfrm>
+          <a:off x="0" y="0"/>
+          <a:ext cx="0" cy="0"/>
+          <a:chOff x="0" y="0"/>
+          <a:chExt cx="0" cy="0"/>
+        </a:xfrm>
+      </p:grpSpPr>
+      <p:sp>
+        <p:nvSpPr>
+          <p:cNvPr id="2" name="Title 1">
+            <a:extLst>
+              <a:ext uri="{FF2B5EF4-FFF2-40B4-BE49-F238E27FC236}">
+                <a16:creationId xmlns:a16="http://schemas.microsoft.com/office/drawing/2014/main" id="{70A4C97D-8F21-3D3B-6A90-EA7145324964}"/>
+              </a:ext>
+            </a:extLst>
+          </p:cNvPr>
+          <p:cNvSpPr>
+            <a:spLocks noGrp="1"/>
+          </p:cNvSpPr>
+          <p:nvPr>
+            <p:ph type="title"/>
+          </p:nvPr>
+        </p:nvSpPr>
+        <p:spPr>
+          <a:xfrm>
+            <a:off x="838200" y="593725"/>
+            <a:ext cx="10515600" cy="1325563"/>
+          </a:xfrm>
+        </p:spPr>
+        <p:txBody>
+          <a:bodyPr>
+            <a:normAutofit/>
+          </a:bodyPr>
+          <a:lstStyle/>
+          <a:p>
+            <a:r>
+              <a:rPr lang="en-US" dirty="0"/>
+              <a:t>Conclusions</a:t>
+            </a:r>
+          </a:p>
+        </p:txBody>
+      </p:sp>
+      <p:sp>
+        <p:nvSpPr>
+          <p:cNvPr id="3" name="Content Placeholder 2">
+            <a:extLst>
+              <a:ext uri="{FF2B5EF4-FFF2-40B4-BE49-F238E27FC236}">
+                <a16:creationId xmlns:a16="http://schemas.microsoft.com/office/drawing/2014/main" id="{B9501834-7B32-1ACA-4358-B630FB8EEC36}"/>
+              </a:ext>
+            </a:extLst>
+          </p:cNvPr>
+          <p:cNvSpPr>
+            <a:spLocks noGrp="1"/>
+          </p:cNvSpPr>
+          <p:nvPr>
+            <p:ph idx="1"/>
+          </p:nvPr>
+        </p:nvSpPr>
+        <p:spPr>
+          <a:xfrm>
+            <a:off x="838200" y="1919290"/>
+            <a:ext cx="10668990" cy="3234602"/>
+          </a:xfrm>
+        </p:spPr>
+        <p:txBody>
+          <a:bodyPr>
+            <a:normAutofit/>
+          </a:bodyPr>
+          <a:lstStyle/>
+          <a:p>
+            <a:r>
+              <a:rPr lang="en-US" dirty="0"/>
+              <a:t>Across largely/hyper-expanded </a:t>
+            </a:r>
+            <a:r>
+              <a:rPr lang="en-US"/>
+              <a:t>(unique) </a:t>
+            </a:r>
+            <a:r>
+              <a:rPr lang="en-US" dirty="0"/>
+              <a:t>TCR alpha chains, CDR3s longer in those developing severe </a:t>
+            </a:r>
+            <a:r>
+              <a:rPr lang="en-US" dirty="0" err="1"/>
+              <a:t>irAEs</a:t>
+            </a:r>
+            <a:endParaRPr lang="en-US" dirty="0"/>
+          </a:p>
+        </p:txBody>
+      </p:sp>
+    </p:spTree>
+    <p:extLst>
+      <p:ext uri="{BB962C8B-B14F-4D97-AF65-F5344CB8AC3E}">
+        <p14:creationId xmlns:p14="http://schemas.microsoft.com/office/powerpoint/2010/main" val="668691641"/>
       </p:ext>
     </p:extLst>
   </p:cSld>

--- a/linsley_postdoc/presentations/weekly_meetings/11_9_23.pptx
+++ b/linsley_postdoc/presentations/weekly_meetings/11_9_23.pptx
@@ -217,7 +217,7 @@
           <a:p>
             <a:fld id="{E933A773-0DCE-3544-BB67-D5FA58DF903C}" type="datetimeFigureOut">
               <a:rPr lang="en-US" smtClean="0"/>
-              <a:t>11/7/23</a:t>
+              <a:t>11/9/23</a:t>
             </a:fld>
             <a:endParaRPr lang="en-US"/>
           </a:p>
@@ -612,6 +612,10 @@
           <a:bodyPr/>
           <a:lstStyle/>
           <a:p>
+            <a:pPr algn="l">
+              <a:buFont typeface="Arial" panose="020B0604020202020204" pitchFamily="34" charset="0"/>
+              <a:buChar char="•"/>
+            </a:pPr>
             <a:endParaRPr lang="en-US" dirty="0"/>
           </a:p>
         </p:txBody>
@@ -866,6 +870,39 @@
           <a:p>
             <a:r>
               <a:rPr lang="en-US" dirty="0"/>
+              <a:t>All </a:t>
+            </a:r>
+            <a:r>
+              <a:rPr lang="en-US" dirty="0" err="1"/>
+              <a:t>TRA_aa</a:t>
+            </a:r>
+            <a:r>
+              <a:rPr lang="en-US" dirty="0"/>
+              <a:t> and </a:t>
+            </a:r>
+            <a:r>
+              <a:rPr lang="en-US" dirty="0" err="1"/>
+              <a:t>TRB_aa</a:t>
+            </a:r>
+            <a:r>
+              <a:rPr lang="en-US" dirty="0"/>
+              <a:t> from </a:t>
+            </a:r>
+            <a:r>
+              <a:rPr lang="en-US" dirty="0" err="1"/>
+              <a:t>stitchr</a:t>
+            </a:r>
+            <a:r>
+              <a:rPr lang="en-US" dirty="0"/>
+              <a:t> have stop codons… at least in frame it’s displayed in</a:t>
+            </a:r>
+          </a:p>
+          <a:p>
+            <a:endParaRPr lang="en-US" dirty="0"/>
+          </a:p>
+          <a:p>
+            <a:r>
+              <a:rPr lang="en-US" dirty="0"/>
               <a:t>TRA</a:t>
             </a:r>
           </a:p>
@@ -888,6 +925,23 @@
             <a:r>
               <a:rPr lang="en-US" dirty="0"/>
               <a:t># 2621 + 1338 (stop codons) unproductive</a:t>
+            </a:r>
+          </a:p>
+          <a:p>
+            <a:endParaRPr lang="en-US" dirty="0"/>
+          </a:p>
+          <a:p>
+            <a:r>
+              <a:rPr lang="en-US" dirty="0"/>
+              <a:t>It’s only the productive called ones that match </a:t>
+            </a:r>
+            <a:r>
+              <a:rPr lang="en-US" dirty="0" err="1"/>
+              <a:t>stitchr</a:t>
+            </a:r>
+            <a:r>
+              <a:rPr lang="en-US" dirty="0"/>
+              <a:t>, NOT ALWAYS SAME AS original CDR3 seq</a:t>
             </a:r>
           </a:p>
         </p:txBody>
@@ -972,7 +1026,34 @@
           <a:bodyPr/>
           <a:lstStyle/>
           <a:p>
-            <a:endParaRPr lang="en-US" dirty="0"/>
+            <a:r>
+              <a:rPr lang="en-US" dirty="0"/>
+              <a:t> count == 1 ~ "Single",</a:t>
+            </a:r>
+          </a:p>
+          <a:p>
+            <a:r>
+              <a:rPr lang="en-US" dirty="0"/>
+              <a:t>    count &gt; 1 &amp; count &lt;= 5 ~ "Small",</a:t>
+            </a:r>
+          </a:p>
+          <a:p>
+            <a:r>
+              <a:rPr lang="en-US" dirty="0"/>
+              <a:t>    count &gt; 5 &amp; count &lt;= 20 ~ "Medium",</a:t>
+            </a:r>
+          </a:p>
+          <a:p>
+            <a:r>
+              <a:rPr lang="en-US" dirty="0"/>
+              <a:t>    count &gt; 20 &amp; count &lt;= 100 ~ "Large",</a:t>
+            </a:r>
+          </a:p>
+          <a:p>
+            <a:r>
+              <a:rPr lang="en-US" dirty="0"/>
+              <a:t>    count &gt; 100 ~ "Hyperexpanded"</a:t>
+            </a:r>
           </a:p>
         </p:txBody>
       </p:sp>
@@ -1311,7 +1392,10 @@
           <a:bodyPr/>
           <a:lstStyle/>
           <a:p>
-            <a:endParaRPr lang="en-US" dirty="0"/>
+            <a:r>
+              <a:rPr lang="en-US" dirty="0"/>
+              <a:t>This was a marginal effect across all unique TCR alpha chains (not just highly expanded ones), in last week presentation</a:t>
+            </a:r>
           </a:p>
         </p:txBody>
       </p:sp>
@@ -1498,7 +1582,7 @@
           <a:p>
             <a:fld id="{80FC6068-BAFB-FC44-B9D8-F4B3BB105DE6}" type="datetimeFigureOut">
               <a:rPr lang="en-US" smtClean="0"/>
-              <a:t>11/7/23</a:t>
+              <a:t>11/9/23</a:t>
             </a:fld>
             <a:endParaRPr lang="en-US"/>
           </a:p>
@@ -1696,7 +1780,7 @@
           <a:p>
             <a:fld id="{80FC6068-BAFB-FC44-B9D8-F4B3BB105DE6}" type="datetimeFigureOut">
               <a:rPr lang="en-US" smtClean="0"/>
-              <a:t>11/7/23</a:t>
+              <a:t>11/9/23</a:t>
             </a:fld>
             <a:endParaRPr lang="en-US"/>
           </a:p>
@@ -1904,7 +1988,7 @@
           <a:p>
             <a:fld id="{80FC6068-BAFB-FC44-B9D8-F4B3BB105DE6}" type="datetimeFigureOut">
               <a:rPr lang="en-US" smtClean="0"/>
-              <a:t>11/7/23</a:t>
+              <a:t>11/9/23</a:t>
             </a:fld>
             <a:endParaRPr lang="en-US"/>
           </a:p>
@@ -2108,7 +2192,7 @@
           <a:p>
             <a:fld id="{80FC6068-BAFB-FC44-B9D8-F4B3BB105DE6}" type="datetimeFigureOut">
               <a:rPr lang="en-US" smtClean="0"/>
-              <a:t>11/7/23</a:t>
+              <a:t>11/9/23</a:t>
             </a:fld>
             <a:endParaRPr lang="en-US"/>
           </a:p>
@@ -2399,7 +2483,7 @@
           <a:p>
             <a:fld id="{80FC6068-BAFB-FC44-B9D8-F4B3BB105DE6}" type="datetimeFigureOut">
               <a:rPr lang="en-US" smtClean="0"/>
-              <a:t>11/7/23</a:t>
+              <a:t>11/9/23</a:t>
             </a:fld>
             <a:endParaRPr lang="en-US"/>
           </a:p>
@@ -2664,7 +2748,7 @@
           <a:p>
             <a:fld id="{80FC6068-BAFB-FC44-B9D8-F4B3BB105DE6}" type="datetimeFigureOut">
               <a:rPr lang="en-US" smtClean="0"/>
-              <a:t>11/7/23</a:t>
+              <a:t>11/9/23</a:t>
             </a:fld>
             <a:endParaRPr lang="en-US"/>
           </a:p>
@@ -3076,7 +3160,7 @@
           <a:p>
             <a:fld id="{80FC6068-BAFB-FC44-B9D8-F4B3BB105DE6}" type="datetimeFigureOut">
               <a:rPr lang="en-US" smtClean="0"/>
-              <a:t>11/7/23</a:t>
+              <a:t>11/9/23</a:t>
             </a:fld>
             <a:endParaRPr lang="en-US"/>
           </a:p>
@@ -3217,7 +3301,7 @@
           <a:p>
             <a:fld id="{80FC6068-BAFB-FC44-B9D8-F4B3BB105DE6}" type="datetimeFigureOut">
               <a:rPr lang="en-US" smtClean="0"/>
-              <a:t>11/7/23</a:t>
+              <a:t>11/9/23</a:t>
             </a:fld>
             <a:endParaRPr lang="en-US"/>
           </a:p>
@@ -3330,7 +3414,7 @@
           <a:p>
             <a:fld id="{80FC6068-BAFB-FC44-B9D8-F4B3BB105DE6}" type="datetimeFigureOut">
               <a:rPr lang="en-US" smtClean="0"/>
-              <a:t>11/7/23</a:t>
+              <a:t>11/9/23</a:t>
             </a:fld>
             <a:endParaRPr lang="en-US"/>
           </a:p>
@@ -3641,7 +3725,7 @@
           <a:p>
             <a:fld id="{80FC6068-BAFB-FC44-B9D8-F4B3BB105DE6}" type="datetimeFigureOut">
               <a:rPr lang="en-US" smtClean="0"/>
-              <a:t>11/7/23</a:t>
+              <a:t>11/9/23</a:t>
             </a:fld>
             <a:endParaRPr lang="en-US"/>
           </a:p>
@@ -3929,7 +4013,7 @@
           <a:p>
             <a:fld id="{80FC6068-BAFB-FC44-B9D8-F4B3BB105DE6}" type="datetimeFigureOut">
               <a:rPr lang="en-US" smtClean="0"/>
-              <a:t>11/7/23</a:t>
+              <a:t>11/9/23</a:t>
             </a:fld>
             <a:endParaRPr lang="en-US"/>
           </a:p>
@@ -4170,7 +4254,7 @@
           <a:p>
             <a:fld id="{80FC6068-BAFB-FC44-B9D8-F4B3BB105DE6}" type="datetimeFigureOut">
               <a:rPr lang="en-US" smtClean="0"/>
-              <a:t>11/7/23</a:t>
+              <a:t>11/9/23</a:t>
             </a:fld>
             <a:endParaRPr lang="en-US"/>
           </a:p>
@@ -4734,15 +4818,83 @@
         </p:nvSpPr>
         <p:spPr>
           <a:xfrm>
-            <a:off x="838200" y="1919290"/>
-            <a:ext cx="10668990" cy="3234602"/>
+            <a:off x="838200" y="1919289"/>
+            <a:ext cx="10668990" cy="5146529"/>
           </a:xfrm>
         </p:spPr>
         <p:txBody>
           <a:bodyPr>
-            <a:normAutofit/>
+            <a:normAutofit fontScale="70000" lnSpcReduction="20000"/>
           </a:bodyPr>
           <a:lstStyle/>
+          <a:p>
+            <a:r>
+              <a:rPr lang="en-US" dirty="0"/>
+              <a:t>Finish up faceting TCR feature analysis by cell type (in progress)</a:t>
+            </a:r>
+          </a:p>
+          <a:p>
+            <a:endParaRPr lang="en-US" dirty="0"/>
+          </a:p>
+          <a:p>
+            <a:r>
+              <a:rPr lang="en-US" dirty="0" err="1"/>
+              <a:t>Circos</a:t>
+            </a:r>
+            <a:r>
+              <a:rPr lang="en-US" dirty="0"/>
+              <a:t> plot, phylogenetic tree, grouping of CDR3 seqs</a:t>
+            </a:r>
+          </a:p>
+          <a:p>
+            <a:pPr lvl="1"/>
+            <a:r>
+              <a:rPr lang="en-US" dirty="0"/>
+              <a:t>Look at private vs. public, clonality, diversity</a:t>
+            </a:r>
+          </a:p>
+          <a:p>
+            <a:endParaRPr lang="en-US" dirty="0"/>
+          </a:p>
+          <a:p>
+            <a:r>
+              <a:rPr lang="en-US" dirty="0"/>
+              <a:t>Using GLIPH to find CDR3 AA motifs differentially encountered in yes vs. no </a:t>
+            </a:r>
+            <a:r>
+              <a:rPr lang="en-US" dirty="0" err="1"/>
+              <a:t>irAEs</a:t>
+            </a:r>
+            <a:endParaRPr lang="en-US" dirty="0"/>
+          </a:p>
+          <a:p>
+            <a:pPr lvl="1"/>
+            <a:r>
+              <a:rPr lang="en-US" dirty="0"/>
+              <a:t>Use presence of motif to pinpoint feature analysis</a:t>
+            </a:r>
+          </a:p>
+          <a:p>
+            <a:endParaRPr lang="en-US" dirty="0"/>
+          </a:p>
+          <a:p>
+            <a:r>
+              <a:rPr lang="en-US" dirty="0"/>
+              <a:t>Use GIANA to cluster TCR seqs into groups by predicted shared antigen specificity</a:t>
+            </a:r>
+          </a:p>
+          <a:p>
+            <a:endParaRPr lang="en-US" dirty="0"/>
+          </a:p>
+          <a:p>
+            <a:r>
+              <a:rPr lang="en-US" dirty="0"/>
+              <a:t>Expanding study to transplant rejection? Are there TCR features that can predict who will experience transplant rejection with immunotherapy?</a:t>
+            </a:r>
+          </a:p>
+          <a:p>
+            <a:endParaRPr lang="en-US" dirty="0"/>
+          </a:p>
           <a:p>
             <a:r>
               <a:rPr lang="en-US" dirty="0"/>
@@ -4761,7 +4913,7 @@
             <a:pPr lvl="1"/>
             <a:r>
               <a:rPr lang="en-US" dirty="0"/>
-              <a:t>Compare expanded TCRs in patients with and without severe </a:t>
+              <a:t>Compare tumor vs. self specificity rankings of expanded TCRs in patients with and without </a:t>
             </a:r>
             <a:r>
               <a:rPr lang="en-US" dirty="0" err="1"/>
@@ -4902,7 +5054,16 @@
               <a:rPr lang="en-US" dirty="0">
                 <a:sym typeface="Wingdings" pitchFamily="2" charset="2"/>
               </a:rPr>
-              <a:t> issues with stitching even with stitched TCR sequences</a:t>
+              <a:t>issues</a:t>
+            </a:r>
+          </a:p>
+          <a:p>
+            <a:pPr lvl="1"/>
+            <a:r>
+              <a:rPr lang="en-US" dirty="0">
+                <a:sym typeface="Wingdings" pitchFamily="2" charset="2"/>
+              </a:rPr>
+              <a:t>CDR3 AA length &amp; hydrophobicity plots by expansion degree, for public TCRs</a:t>
             </a:r>
             <a:endParaRPr lang="en-US" dirty="0"/>
           </a:p>
@@ -4910,6 +5071,15 @@
             <a:pPr marL="0" indent="0">
               <a:buNone/>
             </a:pPr>
+            <a:endParaRPr lang="en-US" dirty="0"/>
+          </a:p>
+          <a:p>
+            <a:r>
+              <a:rPr lang="en-US" dirty="0"/>
+              <a:t>Conclusions</a:t>
+            </a:r>
+          </a:p>
+          <a:p>
             <a:endParaRPr lang="en-US" dirty="0"/>
           </a:p>
           <a:p>
@@ -5009,7 +5179,7 @@
         </p:spPr>
         <p:txBody>
           <a:bodyPr>
-            <a:normAutofit/>
+            <a:normAutofit lnSpcReduction="10000"/>
           </a:bodyPr>
           <a:lstStyle/>
           <a:p>
@@ -5024,7 +5194,7 @@
           <a:p>
             <a:r>
               <a:rPr lang="en-US" dirty="0"/>
-              <a:t>Trends of yes/no errors: problematic V genes more often don’t have *01 suffix</a:t>
+              <a:t>Trends of yes/no errors: problematic V genes more often lack *01 suffix</a:t>
             </a:r>
           </a:p>
           <a:p>
@@ -5055,7 +5225,7 @@
             <a:pPr lvl="1"/>
             <a:r>
               <a:rPr lang="en-US" dirty="0"/>
-              <a:t>Try stripping C &amp; F from CDR3 AA as input: lose even more TCRs</a:t>
+              <a:t>Try stripping C &amp; F from CDR3 AA to use CDR3 not junction as input: lose even more TCRs</a:t>
             </a:r>
           </a:p>
           <a:p>
@@ -5156,7 +5326,7 @@
         </p:spPr>
         <p:txBody>
           <a:bodyPr>
-            <a:normAutofit fontScale="92500" lnSpcReduction="20000"/>
+            <a:normAutofit lnSpcReduction="10000"/>
           </a:bodyPr>
           <a:lstStyle/>
           <a:p>
@@ -5176,37 +5346,6 @@
             <a:r>
               <a:rPr lang="en-US" dirty="0"/>
               <a:t>Stitch</a:t>
-            </a:r>
-          </a:p>
-          <a:p>
-            <a:pPr lvl="1"/>
-            <a:r>
-              <a:rPr lang="en-US" dirty="0"/>
-              <a:t>All </a:t>
-            </a:r>
-            <a:r>
-              <a:rPr lang="en-US" dirty="0" err="1"/>
-              <a:t>TRA_aa</a:t>
-            </a:r>
-            <a:r>
-              <a:rPr lang="en-US" dirty="0"/>
-              <a:t> and </a:t>
-            </a:r>
-            <a:r>
-              <a:rPr lang="en-US" dirty="0" err="1"/>
-              <a:t>TRB_aa</a:t>
-            </a:r>
-            <a:r>
-              <a:rPr lang="en-US" dirty="0"/>
-              <a:t> from </a:t>
-            </a:r>
-            <a:r>
-              <a:rPr lang="en-US" dirty="0" err="1"/>
-              <a:t>stitchr</a:t>
-            </a:r>
-            <a:r>
-              <a:rPr lang="en-US" dirty="0"/>
-              <a:t> have stop codons… at least in frame it’s displayed in</a:t>
             </a:r>
           </a:p>
           <a:p>
@@ -5649,6 +5788,76 @@
           </a:prstGeom>
         </p:spPr>
       </p:pic>
+      <p:sp>
+        <p:nvSpPr>
+          <p:cNvPr id="4" name="TextBox 3">
+            <a:extLst>
+              <a:ext uri="{FF2B5EF4-FFF2-40B4-BE49-F238E27FC236}">
+                <a16:creationId xmlns:a16="http://schemas.microsoft.com/office/drawing/2014/main" id="{1E0FF777-D966-8F60-13F9-8E92C48D8280}"/>
+              </a:ext>
+            </a:extLst>
+          </p:cNvPr>
+          <p:cNvSpPr txBox="1"/>
+          <p:nvPr/>
+        </p:nvSpPr>
+        <p:spPr>
+          <a:xfrm>
+            <a:off x="873825" y="4049486"/>
+            <a:ext cx="415498" cy="369332"/>
+          </a:xfrm>
+          <a:prstGeom prst="rect">
+            <a:avLst/>
+          </a:prstGeom>
+          <a:noFill/>
+        </p:spPr>
+        <p:txBody>
+          <a:bodyPr wrap="none" rtlCol="0">
+            <a:spAutoFit/>
+          </a:bodyPr>
+          <a:lstStyle/>
+          <a:p>
+            <a:r>
+              <a:rPr lang="en-US" dirty="0"/>
+              <a:t>**</a:t>
+            </a:r>
+          </a:p>
+        </p:txBody>
+      </p:sp>
+      <p:sp>
+        <p:nvSpPr>
+          <p:cNvPr id="5" name="TextBox 4">
+            <a:extLst>
+              <a:ext uri="{FF2B5EF4-FFF2-40B4-BE49-F238E27FC236}">
+                <a16:creationId xmlns:a16="http://schemas.microsoft.com/office/drawing/2014/main" id="{BABECE60-6967-F86A-FD30-790F48AD68B3}"/>
+              </a:ext>
+            </a:extLst>
+          </p:cNvPr>
+          <p:cNvSpPr txBox="1"/>
+          <p:nvPr/>
+        </p:nvSpPr>
+        <p:spPr>
+          <a:xfrm>
+            <a:off x="2439387" y="3988131"/>
+            <a:ext cx="415498" cy="369332"/>
+          </a:xfrm>
+          <a:prstGeom prst="rect">
+            <a:avLst/>
+          </a:prstGeom>
+          <a:noFill/>
+        </p:spPr>
+        <p:txBody>
+          <a:bodyPr wrap="none" rtlCol="0">
+            <a:spAutoFit/>
+          </a:bodyPr>
+          <a:lstStyle/>
+          <a:p>
+            <a:r>
+              <a:rPr lang="en-US" dirty="0"/>
+              <a:t>**</a:t>
+            </a:r>
+          </a:p>
+        </p:txBody>
+      </p:sp>
     </p:spTree>
     <p:extLst>
       <p:ext uri="{BB962C8B-B14F-4D97-AF65-F5344CB8AC3E}">
@@ -5714,38 +5923,6 @@
           </a:p>
         </p:txBody>
       </p:sp>
-      <p:sp>
-        <p:nvSpPr>
-          <p:cNvPr id="3" name="Content Placeholder 2">
-            <a:extLst>
-              <a:ext uri="{FF2B5EF4-FFF2-40B4-BE49-F238E27FC236}">
-                <a16:creationId xmlns:a16="http://schemas.microsoft.com/office/drawing/2014/main" id="{B9501834-7B32-1ACA-4358-B630FB8EEC36}"/>
-              </a:ext>
-            </a:extLst>
-          </p:cNvPr>
-          <p:cNvSpPr>
-            <a:spLocks noGrp="1"/>
-          </p:cNvSpPr>
-          <p:nvPr>
-            <p:ph idx="1"/>
-          </p:nvPr>
-        </p:nvSpPr>
-        <p:spPr>
-          <a:xfrm>
-            <a:off x="838200" y="1919290"/>
-            <a:ext cx="10668990" cy="3234602"/>
-          </a:xfrm>
-        </p:spPr>
-        <p:txBody>
-          <a:bodyPr>
-            <a:normAutofit/>
-          </a:bodyPr>
-          <a:lstStyle/>
-          <a:p>
-            <a:endParaRPr lang="en-US" dirty="0"/>
-          </a:p>
-        </p:txBody>
-      </p:sp>
       <p:pic>
         <p:nvPicPr>
           <p:cNvPr id="10" name="Picture 9">
@@ -5769,7 +5946,7 @@
         <p:spPr>
           <a:xfrm>
             <a:off x="0" y="1919288"/>
-            <a:ext cx="5877249" cy="3700144"/>
+            <a:ext cx="6008914" cy="3783036"/>
           </a:xfrm>
           <a:prstGeom prst="rect">
             <a:avLst/>
@@ -5798,14 +5975,158 @@
         </p:blipFill>
         <p:spPr>
           <a:xfrm>
-            <a:off x="6172695" y="1919288"/>
-            <a:ext cx="5975078" cy="3732096"/>
+            <a:off x="6083065" y="1886620"/>
+            <a:ext cx="6108935" cy="3815704"/>
           </a:xfrm>
           <a:prstGeom prst="rect">
             <a:avLst/>
           </a:prstGeom>
         </p:spPr>
       </p:pic>
+      <p:sp>
+        <p:nvSpPr>
+          <p:cNvPr id="5" name="TextBox 4">
+            <a:extLst>
+              <a:ext uri="{FF2B5EF4-FFF2-40B4-BE49-F238E27FC236}">
+                <a16:creationId xmlns:a16="http://schemas.microsoft.com/office/drawing/2014/main" id="{8EF82AF0-E4CB-3B71-BD8A-7DECC6B0ADD5}"/>
+              </a:ext>
+            </a:extLst>
+          </p:cNvPr>
+          <p:cNvSpPr txBox="1"/>
+          <p:nvPr/>
+        </p:nvSpPr>
+        <p:spPr>
+          <a:xfrm>
+            <a:off x="885700" y="4186093"/>
+            <a:ext cx="415636" cy="369332"/>
+          </a:xfrm>
+          <a:prstGeom prst="rect">
+            <a:avLst/>
+          </a:prstGeom>
+          <a:noFill/>
+        </p:spPr>
+        <p:txBody>
+          <a:bodyPr wrap="square" rtlCol="0">
+            <a:spAutoFit/>
+          </a:bodyPr>
+          <a:lstStyle/>
+          <a:p>
+            <a:r>
+              <a:rPr lang="en-US" dirty="0"/>
+              <a:t>*</a:t>
+            </a:r>
+          </a:p>
+        </p:txBody>
+      </p:sp>
+      <p:sp>
+        <p:nvSpPr>
+          <p:cNvPr id="6" name="TextBox 5">
+            <a:extLst>
+              <a:ext uri="{FF2B5EF4-FFF2-40B4-BE49-F238E27FC236}">
+                <a16:creationId xmlns:a16="http://schemas.microsoft.com/office/drawing/2014/main" id="{D3148041-01F1-E4B0-0604-59E34F09EF29}"/>
+              </a:ext>
+            </a:extLst>
+          </p:cNvPr>
+          <p:cNvSpPr txBox="1"/>
+          <p:nvPr/>
+        </p:nvSpPr>
+        <p:spPr>
+          <a:xfrm>
+            <a:off x="2375523" y="4079217"/>
+            <a:ext cx="731323" cy="369332"/>
+          </a:xfrm>
+          <a:prstGeom prst="rect">
+            <a:avLst/>
+          </a:prstGeom>
+          <a:noFill/>
+        </p:spPr>
+        <p:txBody>
+          <a:bodyPr wrap="square" rtlCol="0">
+            <a:spAutoFit/>
+          </a:bodyPr>
+          <a:lstStyle/>
+          <a:p>
+            <a:r>
+              <a:rPr lang="en-US" dirty="0" err="1"/>
+              <a:t>n.s</a:t>
+            </a:r>
+            <a:r>
+              <a:rPr lang="en-US" dirty="0"/>
+              <a:t>.</a:t>
+            </a:r>
+          </a:p>
+        </p:txBody>
+      </p:sp>
+      <p:sp>
+        <p:nvSpPr>
+          <p:cNvPr id="7" name="TextBox 6">
+            <a:extLst>
+              <a:ext uri="{FF2B5EF4-FFF2-40B4-BE49-F238E27FC236}">
+                <a16:creationId xmlns:a16="http://schemas.microsoft.com/office/drawing/2014/main" id="{E42101DE-6A41-E4B5-D267-7015CC6EDA72}"/>
+              </a:ext>
+            </a:extLst>
+          </p:cNvPr>
+          <p:cNvSpPr txBox="1"/>
+          <p:nvPr/>
+        </p:nvSpPr>
+        <p:spPr>
+          <a:xfrm>
+            <a:off x="2805050" y="4626675"/>
+            <a:ext cx="1161311" cy="369332"/>
+          </a:xfrm>
+          <a:prstGeom prst="rect">
+            <a:avLst/>
+          </a:prstGeom>
+          <a:noFill/>
+        </p:spPr>
+        <p:txBody>
+          <a:bodyPr wrap="square" rtlCol="0">
+            <a:spAutoFit/>
+          </a:bodyPr>
+          <a:lstStyle/>
+          <a:p>
+            <a:r>
+              <a:rPr lang="en-US" dirty="0"/>
+              <a:t>p = 0.1</a:t>
+            </a:r>
+          </a:p>
+        </p:txBody>
+      </p:sp>
+      <p:sp>
+        <p:nvSpPr>
+          <p:cNvPr id="8" name="TextBox 7">
+            <a:extLst>
+              <a:ext uri="{FF2B5EF4-FFF2-40B4-BE49-F238E27FC236}">
+                <a16:creationId xmlns:a16="http://schemas.microsoft.com/office/drawing/2014/main" id="{E20A7937-4B1D-CC0F-AEF6-DB8E4FA32DBD}"/>
+              </a:ext>
+            </a:extLst>
+          </p:cNvPr>
+          <p:cNvSpPr txBox="1"/>
+          <p:nvPr/>
+        </p:nvSpPr>
+        <p:spPr>
+          <a:xfrm>
+            <a:off x="1190462" y="5332992"/>
+            <a:ext cx="1161311" cy="369332"/>
+          </a:xfrm>
+          <a:prstGeom prst="rect">
+            <a:avLst/>
+          </a:prstGeom>
+          <a:noFill/>
+        </p:spPr>
+        <p:txBody>
+          <a:bodyPr wrap="square" rtlCol="0">
+            <a:spAutoFit/>
+          </a:bodyPr>
+          <a:lstStyle/>
+          <a:p>
+            <a:r>
+              <a:rPr lang="en-US" dirty="0"/>
+              <a:t>p = 0.15</a:t>
+            </a:r>
+          </a:p>
+        </p:txBody>
+      </p:sp>
     </p:spTree>
     <p:extLst>
       <p:ext uri="{BB962C8B-B14F-4D97-AF65-F5344CB8AC3E}">
@@ -5873,42 +6194,80 @@
       </p:sp>
       <p:sp>
         <p:nvSpPr>
-          <p:cNvPr id="3" name="Content Placeholder 2">
-            <a:extLst>
-              <a:ext uri="{FF2B5EF4-FFF2-40B4-BE49-F238E27FC236}">
-                <a16:creationId xmlns:a16="http://schemas.microsoft.com/office/drawing/2014/main" id="{B9501834-7B32-1ACA-4358-B630FB8EEC36}"/>
-              </a:ext>
-            </a:extLst>
-          </p:cNvPr>
-          <p:cNvSpPr>
-            <a:spLocks noGrp="1"/>
-          </p:cNvSpPr>
-          <p:nvPr>
-            <p:ph idx="1"/>
-          </p:nvPr>
+          <p:cNvPr id="6" name="TextBox 5">
+            <a:extLst>
+              <a:ext uri="{FF2B5EF4-FFF2-40B4-BE49-F238E27FC236}">
+                <a16:creationId xmlns:a16="http://schemas.microsoft.com/office/drawing/2014/main" id="{41B7D3B0-7530-8A68-5411-7AB219C15C81}"/>
+              </a:ext>
+            </a:extLst>
+          </p:cNvPr>
+          <p:cNvSpPr txBox="1"/>
+          <p:nvPr/>
         </p:nvSpPr>
         <p:spPr>
           <a:xfrm>
-            <a:off x="838200" y="1919290"/>
-            <a:ext cx="10668990" cy="3234602"/>
+            <a:off x="8208638" y="1856508"/>
+            <a:ext cx="1986506" cy="369332"/>
           </a:xfrm>
+          <a:prstGeom prst="rect">
+            <a:avLst/>
+          </a:prstGeom>
+          <a:noFill/>
         </p:spPr>
         <p:txBody>
-          <a:bodyPr>
-            <a:normAutofit/>
+          <a:bodyPr wrap="none" rtlCol="0">
+            <a:spAutoFit/>
           </a:bodyPr>
           <a:lstStyle/>
           <a:p>
-            <a:endParaRPr lang="en-US" dirty="0"/>
+            <a:r>
+              <a:rPr lang="en-US" dirty="0"/>
+              <a:t>Unique public TCRs</a:t>
+            </a:r>
+          </a:p>
+        </p:txBody>
+      </p:sp>
+      <p:sp>
+        <p:nvSpPr>
+          <p:cNvPr id="8" name="TextBox 7">
+            <a:extLst>
+              <a:ext uri="{FF2B5EF4-FFF2-40B4-BE49-F238E27FC236}">
+                <a16:creationId xmlns:a16="http://schemas.microsoft.com/office/drawing/2014/main" id="{804E051E-B2F4-7A0C-37F0-0BEFCA06CDAA}"/>
+              </a:ext>
+            </a:extLst>
+          </p:cNvPr>
+          <p:cNvSpPr txBox="1"/>
+          <p:nvPr/>
+        </p:nvSpPr>
+        <p:spPr>
+          <a:xfrm>
+            <a:off x="2422423" y="1856508"/>
+            <a:ext cx="1544077" cy="369332"/>
+          </a:xfrm>
+          <a:prstGeom prst="rect">
+            <a:avLst/>
+          </a:prstGeom>
+          <a:noFill/>
+        </p:spPr>
+        <p:txBody>
+          <a:bodyPr wrap="none" rtlCol="0">
+            <a:spAutoFit/>
+          </a:bodyPr>
+          <a:lstStyle/>
+          <a:p>
+            <a:r>
+              <a:rPr lang="en-US" dirty="0"/>
+              <a:t>All public TCRs</a:t>
+            </a:r>
           </a:p>
         </p:txBody>
       </p:sp>
       <p:pic>
         <p:nvPicPr>
-          <p:cNvPr id="7" name="Picture 6">
-            <a:extLst>
-              <a:ext uri="{FF2B5EF4-FFF2-40B4-BE49-F238E27FC236}">
-                <a16:creationId xmlns:a16="http://schemas.microsoft.com/office/drawing/2014/main" id="{619A8248-6E71-1847-FAAC-2C8F86716640}"/>
+          <p:cNvPr id="9" name="Picture 8">
+            <a:extLst>
+              <a:ext uri="{FF2B5EF4-FFF2-40B4-BE49-F238E27FC236}">
+                <a16:creationId xmlns:a16="http://schemas.microsoft.com/office/drawing/2014/main" id="{912623DC-A175-C7B7-1372-7962F051D61B}"/>
               </a:ext>
             </a:extLst>
           </p:cNvPr>
@@ -5925,90 +6284,20 @@
         </p:blipFill>
         <p:spPr>
           <a:xfrm>
-            <a:off x="216230" y="2312590"/>
-            <a:ext cx="5956465" cy="3690418"/>
+            <a:off x="6274623" y="2271337"/>
+            <a:ext cx="5854537" cy="3772924"/>
           </a:xfrm>
           <a:prstGeom prst="rect">
             <a:avLst/>
           </a:prstGeom>
         </p:spPr>
       </p:pic>
-      <p:sp>
-        <p:nvSpPr>
-          <p:cNvPr id="6" name="TextBox 5">
-            <a:extLst>
-              <a:ext uri="{FF2B5EF4-FFF2-40B4-BE49-F238E27FC236}">
-                <a16:creationId xmlns:a16="http://schemas.microsoft.com/office/drawing/2014/main" id="{41B7D3B0-7530-8A68-5411-7AB219C15C81}"/>
-              </a:ext>
-            </a:extLst>
-          </p:cNvPr>
-          <p:cNvSpPr txBox="1"/>
-          <p:nvPr/>
-        </p:nvSpPr>
-        <p:spPr>
-          <a:xfrm>
-            <a:off x="8208638" y="1856508"/>
-            <a:ext cx="1986506" cy="369332"/>
-          </a:xfrm>
-          <a:prstGeom prst="rect">
-            <a:avLst/>
-          </a:prstGeom>
-          <a:noFill/>
-        </p:spPr>
-        <p:txBody>
-          <a:bodyPr wrap="none" rtlCol="0">
-            <a:spAutoFit/>
-          </a:bodyPr>
-          <a:lstStyle/>
-          <a:p>
-            <a:r>
-              <a:rPr lang="en-US" dirty="0"/>
-              <a:t>Unique public TCRs</a:t>
-            </a:r>
-          </a:p>
-        </p:txBody>
-      </p:sp>
-      <p:sp>
-        <p:nvSpPr>
-          <p:cNvPr id="8" name="TextBox 7">
-            <a:extLst>
-              <a:ext uri="{FF2B5EF4-FFF2-40B4-BE49-F238E27FC236}">
-                <a16:creationId xmlns:a16="http://schemas.microsoft.com/office/drawing/2014/main" id="{804E051E-B2F4-7A0C-37F0-0BEFCA06CDAA}"/>
-              </a:ext>
-            </a:extLst>
-          </p:cNvPr>
-          <p:cNvSpPr txBox="1"/>
-          <p:nvPr/>
-        </p:nvSpPr>
-        <p:spPr>
-          <a:xfrm>
-            <a:off x="2422423" y="1856508"/>
-            <a:ext cx="1544077" cy="369332"/>
-          </a:xfrm>
-          <a:prstGeom prst="rect">
-            <a:avLst/>
-          </a:prstGeom>
-          <a:noFill/>
-        </p:spPr>
-        <p:txBody>
-          <a:bodyPr wrap="none" rtlCol="0">
-            <a:spAutoFit/>
-          </a:bodyPr>
-          <a:lstStyle/>
-          <a:p>
-            <a:r>
-              <a:rPr lang="en-US" dirty="0"/>
-              <a:t>All public TCRs</a:t>
-            </a:r>
-          </a:p>
-        </p:txBody>
-      </p:sp>
       <p:pic>
         <p:nvPicPr>
-          <p:cNvPr id="9" name="Picture 8">
-            <a:extLst>
-              <a:ext uri="{FF2B5EF4-FFF2-40B4-BE49-F238E27FC236}">
-                <a16:creationId xmlns:a16="http://schemas.microsoft.com/office/drawing/2014/main" id="{912623DC-A175-C7B7-1372-7962F051D61B}"/>
+          <p:cNvPr id="3" name="Picture 2">
+            <a:extLst>
+              <a:ext uri="{FF2B5EF4-FFF2-40B4-BE49-F238E27FC236}">
+                <a16:creationId xmlns:a16="http://schemas.microsoft.com/office/drawing/2014/main" id="{6ECD6BCC-93BC-03C6-BC57-93416659D853}"/>
               </a:ext>
             </a:extLst>
           </p:cNvPr>
@@ -6025,8 +6314,8 @@
         </p:blipFill>
         <p:spPr>
           <a:xfrm>
-            <a:off x="6274623" y="2271337"/>
-            <a:ext cx="5854537" cy="3772924"/>
+            <a:off x="435489" y="2271337"/>
+            <a:ext cx="5481889" cy="3488474"/>
           </a:xfrm>
           <a:prstGeom prst="rect">
             <a:avLst/>
@@ -6095,38 +6384,6 @@
               <a:rPr lang="en-US" dirty="0"/>
               <a:t>Calculating frequencies of TRA:TRB combinations per patient </a:t>
             </a:r>
-          </a:p>
-        </p:txBody>
-      </p:sp>
-      <p:sp>
-        <p:nvSpPr>
-          <p:cNvPr id="3" name="Content Placeholder 2">
-            <a:extLst>
-              <a:ext uri="{FF2B5EF4-FFF2-40B4-BE49-F238E27FC236}">
-                <a16:creationId xmlns:a16="http://schemas.microsoft.com/office/drawing/2014/main" id="{B9501834-7B32-1ACA-4358-B630FB8EEC36}"/>
-              </a:ext>
-            </a:extLst>
-          </p:cNvPr>
-          <p:cNvSpPr>
-            <a:spLocks noGrp="1"/>
-          </p:cNvSpPr>
-          <p:nvPr>
-            <p:ph idx="1"/>
-          </p:nvPr>
-        </p:nvSpPr>
-        <p:spPr>
-          <a:xfrm>
-            <a:off x="838200" y="1919290"/>
-            <a:ext cx="10668990" cy="3234602"/>
-          </a:xfrm>
-        </p:spPr>
-        <p:txBody>
-          <a:bodyPr>
-            <a:normAutofit/>
-          </a:bodyPr>
-          <a:lstStyle/>
-          <a:p>
-            <a:endParaRPr lang="en-US" dirty="0"/>
           </a:p>
         </p:txBody>
       </p:sp>
@@ -6255,20 +6512,39 @@
           <a:p>
             <a:r>
               <a:rPr lang="en-US" dirty="0"/>
-              <a:t>Across largely/hyper-expanded </a:t>
-            </a:r>
-            <a:r>
-              <a:rPr lang="en-US"/>
-              <a:t>(unique) </a:t>
-            </a:r>
-            <a:r>
-              <a:rPr lang="en-US" dirty="0"/>
-              <a:t>TCR alpha chains, CDR3s longer in those developing severe </a:t>
+              <a:t>Across largely/hyper-expanded (unique) TCR alpha chains, CDR3s are marginally longer in those developing </a:t>
             </a:r>
             <a:r>
               <a:rPr lang="en-US" dirty="0" err="1"/>
               <a:t>irAEs</a:t>
             </a:r>
+            <a:endParaRPr lang="en-US" dirty="0"/>
+          </a:p>
+          <a:p>
+            <a:pPr lvl="1"/>
+            <a:r>
+              <a:rPr lang="en-US" dirty="0"/>
+              <a:t>Consistent with marginal effect across all unique TCRs</a:t>
+            </a:r>
+          </a:p>
+          <a:p>
+            <a:endParaRPr lang="en-US" dirty="0"/>
+          </a:p>
+          <a:p>
+            <a:r>
+              <a:rPr lang="en-US" dirty="0"/>
+              <a:t>TRB CDR3s lengths show marginal effects, same trend </a:t>
+            </a:r>
+            <a:r>
+              <a:rPr lang="en-US"/>
+              <a:t>as TRA with </a:t>
+            </a:r>
+            <a:r>
+              <a:rPr lang="en-US" dirty="0"/>
+              <a:t>hyperexpanded unique TCRs, opposite trend with large ones</a:t>
+            </a:r>
+          </a:p>
+          <a:p>
             <a:endParaRPr lang="en-US" dirty="0"/>
           </a:p>
         </p:txBody>
